--- a/Document/Dev Guide.pptx
+++ b/Document/Dev Guide.pptx
@@ -129,6 +129,11 @@
       </a:defRPr>
     </a:lvl9pPr>
   </p:defaultTextStyle>
+  <p:extLst>
+    <p:ext uri="{EFAFB233-063F-42B5-8137-9DF3F51BA10A}">
+      <p15:sldGuideLst xmlns:p15="http://schemas.microsoft.com/office/powerpoint/2012/main"/>
+    </p:ext>
+  </p:extLst>
 </p:presentation>
 </file>
 
@@ -3728,10 +3733,22 @@
         <a:lstStyle/>
         <a:p>
           <a:r>
-            <a:rPr lang="en-US"/>
-            <a:t>BaseService : IService</a:t>
+            <a:rPr lang="en-US" dirty="0" err="1">
+              <a:solidFill>
+                <a:srgbClr val="FFFF00"/>
+              </a:solidFill>
+            </a:rPr>
+            <a:t>BaseService</a:t>
           </a:r>
-          <a:endParaRPr lang="en-001"/>
+          <a:r>
+            <a:rPr lang="en-US" dirty="0"/>
+            <a:t> : </a:t>
+          </a:r>
+          <a:r>
+            <a:rPr lang="en-US" dirty="0" err="1"/>
+            <a:t>IService</a:t>
+          </a:r>
+          <a:endParaRPr lang="en-001" dirty="0"/>
         </a:p>
       </dgm:t>
     </dgm:pt>
@@ -3839,10 +3856,58 @@
         <a:lstStyle/>
         <a:p>
           <a:r>
-            <a:rPr lang="en-US"/>
-            <a:t>BaseService&lt;TEntity&gt; : IService&lt;TEntity&gt;</a:t>
+            <a:rPr lang="en-US" dirty="0" err="1">
+              <a:solidFill>
+                <a:srgbClr val="FFFF00"/>
+              </a:solidFill>
+            </a:rPr>
+            <a:t>BaseService</a:t>
           </a:r>
-          <a:endParaRPr lang="en-001"/>
+          <a:r>
+            <a:rPr lang="en-US" dirty="0">
+              <a:solidFill>
+                <a:srgbClr val="FFFF00"/>
+              </a:solidFill>
+            </a:rPr>
+            <a:t>&lt;</a:t>
+          </a:r>
+          <a:r>
+            <a:rPr lang="en-US" dirty="0" err="1">
+              <a:solidFill>
+                <a:srgbClr val="FFFF00"/>
+              </a:solidFill>
+            </a:rPr>
+            <a:t>TEntity</a:t>
+          </a:r>
+          <a:r>
+            <a:rPr lang="en-US" dirty="0">
+              <a:solidFill>
+                <a:srgbClr val="FFFF00"/>
+              </a:solidFill>
+            </a:rPr>
+            <a:t>&gt;</a:t>
+          </a:r>
+          <a:r>
+            <a:rPr lang="en-US" dirty="0"/>
+            <a:t> : </a:t>
+          </a:r>
+          <a:r>
+            <a:rPr lang="en-US" dirty="0" err="1"/>
+            <a:t>IService</a:t>
+          </a:r>
+          <a:r>
+            <a:rPr lang="en-US" dirty="0"/>
+            <a:t>&lt;</a:t>
+          </a:r>
+          <a:r>
+            <a:rPr lang="en-US" dirty="0" err="1"/>
+            <a:t>TEntity</a:t>
+          </a:r>
+          <a:r>
+            <a:rPr lang="en-US" dirty="0"/>
+            <a:t>&gt;</a:t>
+          </a:r>
+          <a:endParaRPr lang="en-001" dirty="0"/>
         </a:p>
       </dgm:t>
     </dgm:pt>
@@ -3950,10 +4015,58 @@
         <a:lstStyle/>
         <a:p>
           <a:r>
-            <a:rPr lang="en-US"/>
-            <a:t>StrongService&lt;TStrongEntity&gt; : IStrongService&lt;TStrongEntity&gt;</a:t>
+            <a:rPr lang="en-US" dirty="0" err="1">
+              <a:solidFill>
+                <a:srgbClr val="FFFF00"/>
+              </a:solidFill>
+            </a:rPr>
+            <a:t>StrongService</a:t>
           </a:r>
-          <a:endParaRPr lang="en-001"/>
+          <a:r>
+            <a:rPr lang="en-US" dirty="0">
+              <a:solidFill>
+                <a:srgbClr val="FFFF00"/>
+              </a:solidFill>
+            </a:rPr>
+            <a:t>&lt;</a:t>
+          </a:r>
+          <a:r>
+            <a:rPr lang="en-US" dirty="0" err="1">
+              <a:solidFill>
+                <a:srgbClr val="FFFF00"/>
+              </a:solidFill>
+            </a:rPr>
+            <a:t>TStrongEntity</a:t>
+          </a:r>
+          <a:r>
+            <a:rPr lang="en-US" dirty="0">
+              <a:solidFill>
+                <a:srgbClr val="FFFF00"/>
+              </a:solidFill>
+            </a:rPr>
+            <a:t>&gt;</a:t>
+          </a:r>
+          <a:r>
+            <a:rPr lang="en-US" dirty="0"/>
+            <a:t> : </a:t>
+          </a:r>
+          <a:r>
+            <a:rPr lang="en-US" dirty="0" err="1"/>
+            <a:t>IStrongService</a:t>
+          </a:r>
+          <a:r>
+            <a:rPr lang="en-US" dirty="0"/>
+            <a:t>&lt;</a:t>
+          </a:r>
+          <a:r>
+            <a:rPr lang="en-US" dirty="0" err="1"/>
+            <a:t>TStrongEntity</a:t>
+          </a:r>
+          <a:r>
+            <a:rPr lang="en-US" dirty="0"/>
+            <a:t>&gt;</a:t>
+          </a:r>
+          <a:endParaRPr lang="en-001" dirty="0"/>
         </a:p>
       </dgm:t>
     </dgm:pt>
@@ -4090,43 +4203,6 @@
         </a:p>
       </dgm:t>
     </dgm:pt>
-    <dgm:pt modelId="{B87CE9BE-AB2A-420C-9422-29F5C7CD7922}">
-      <dgm:prSet phldrT="[Text]"/>
-      <dgm:spPr/>
-      <dgm:t>
-        <a:bodyPr/>
-        <a:lstStyle/>
-        <a:p>
-          <a:r>
-            <a:rPr lang="en-US"/>
-            <a:t>CreateWithMapper</a:t>
-          </a:r>
-          <a:endParaRPr lang="en-001"/>
-        </a:p>
-      </dgm:t>
-    </dgm:pt>
-    <dgm:pt modelId="{B57B8D41-2695-492C-A8B1-9EF381FE9135}" type="parTrans" cxnId="{B26887EF-5D92-48B7-B482-F78B8FA35494}">
-      <dgm:prSet/>
-      <dgm:spPr/>
-      <dgm:t>
-        <a:bodyPr/>
-        <a:lstStyle/>
-        <a:p>
-          <a:endParaRPr lang="en-001"/>
-        </a:p>
-      </dgm:t>
-    </dgm:pt>
-    <dgm:pt modelId="{B949F25B-A58C-4809-BD23-B9E704C327CD}" type="sibTrans" cxnId="{B26887EF-5D92-48B7-B482-F78B8FA35494}">
-      <dgm:prSet/>
-      <dgm:spPr/>
-      <dgm:t>
-        <a:bodyPr/>
-        <a:lstStyle/>
-        <a:p>
-          <a:endParaRPr lang="en-001"/>
-        </a:p>
-      </dgm:t>
-    </dgm:pt>
     <dgm:pt modelId="{ED643620-E8F2-41B6-AE17-16A98040C2B3}">
       <dgm:prSet phldrT="[Text]"/>
       <dgm:spPr/>
@@ -4135,10 +4211,10 @@
         <a:lstStyle/>
         <a:p>
           <a:r>
-            <a:rPr lang="en-US"/>
+            <a:rPr lang="en-US" dirty="0"/>
             <a:t>Update</a:t>
           </a:r>
-          <a:endParaRPr lang="en-001"/>
+          <a:endParaRPr lang="en-001" dirty="0"/>
         </a:p>
       </dgm:t>
     </dgm:pt>
@@ -4154,43 +4230,6 @@
       </dgm:t>
     </dgm:pt>
     <dgm:pt modelId="{1BB37E92-0A96-4DE6-A257-A0635836C4A2}" type="sibTrans" cxnId="{DE9B6DBD-84B3-416F-AB2B-6537916B05EE}">
-      <dgm:prSet/>
-      <dgm:spPr/>
-      <dgm:t>
-        <a:bodyPr/>
-        <a:lstStyle/>
-        <a:p>
-          <a:endParaRPr lang="en-001"/>
-        </a:p>
-      </dgm:t>
-    </dgm:pt>
-    <dgm:pt modelId="{D8658D39-51D6-4A17-BE84-3E834BD3A752}">
-      <dgm:prSet phldrT="[Text]"/>
-      <dgm:spPr/>
-      <dgm:t>
-        <a:bodyPr/>
-        <a:lstStyle/>
-        <a:p>
-          <a:r>
-            <a:rPr lang="en-US"/>
-            <a:t>UpdateWithMapper</a:t>
-          </a:r>
-          <a:endParaRPr lang="en-001"/>
-        </a:p>
-      </dgm:t>
-    </dgm:pt>
-    <dgm:pt modelId="{F5BC846C-AF52-4B6F-B10C-F96D8C4F4111}" type="parTrans" cxnId="{D8467F85-41F1-4B4A-B240-0C149DF3AF8F}">
-      <dgm:prSet/>
-      <dgm:spPr/>
-      <dgm:t>
-        <a:bodyPr/>
-        <a:lstStyle/>
-        <a:p>
-          <a:endParaRPr lang="en-001"/>
-        </a:p>
-      </dgm:t>
-    </dgm:pt>
-    <dgm:pt modelId="{FBEA5D12-5D17-4E91-AF23-129F17152AB8}" type="sibTrans" cxnId="{D8467F85-41F1-4B4A-B240-0C149DF3AF8F}">
       <dgm:prSet/>
       <dgm:spPr/>
       <dgm:t>
@@ -4413,7 +4452,7 @@
       <dgm:spPr/>
     </dgm:pt>
     <dgm:pt modelId="{0202C66B-9281-4861-85A8-55E10FEA3118}" type="pres">
-      <dgm:prSet presAssocID="{6BB32E5E-31F4-4B99-A2DD-E52FD3037D13}" presName="childTextBox" presStyleLbl="fgAccFollowNode1" presStyleIdx="0" presStyleCnt="15">
+      <dgm:prSet presAssocID="{6BB32E5E-31F4-4B99-A2DD-E52FD3037D13}" presName="childTextBox" presStyleLbl="fgAccFollowNode1" presStyleIdx="0" presStyleCnt="13">
         <dgm:presLayoutVars>
           <dgm:bulletEnabled val="1"/>
         </dgm:presLayoutVars>
@@ -4421,7 +4460,7 @@
       <dgm:spPr/>
     </dgm:pt>
     <dgm:pt modelId="{A1A23EEE-EE80-4B95-A069-7801D18581D3}" type="pres">
-      <dgm:prSet presAssocID="{E07C380A-7C85-44BC-9B14-CC05F60BCB37}" presName="childTextBox" presStyleLbl="fgAccFollowNode1" presStyleIdx="1" presStyleCnt="15">
+      <dgm:prSet presAssocID="{E07C380A-7C85-44BC-9B14-CC05F60BCB37}" presName="childTextBox" presStyleLbl="fgAccFollowNode1" presStyleIdx="1" presStyleCnt="13">
         <dgm:presLayoutVars>
           <dgm:bulletEnabled val="1"/>
         </dgm:presLayoutVars>
@@ -4429,7 +4468,7 @@
       <dgm:spPr/>
     </dgm:pt>
     <dgm:pt modelId="{C3A337A9-E742-496B-B947-8BC212C1CF61}" type="pres">
-      <dgm:prSet presAssocID="{814408A7-95C3-4940-B31C-EB7AD1F331C8}" presName="childTextBox" presStyleLbl="fgAccFollowNode1" presStyleIdx="2" presStyleCnt="15">
+      <dgm:prSet presAssocID="{814408A7-95C3-4940-B31C-EB7AD1F331C8}" presName="childTextBox" presStyleLbl="fgAccFollowNode1" presStyleIdx="2" presStyleCnt="13">
         <dgm:presLayoutVars>
           <dgm:bulletEnabled val="1"/>
         </dgm:presLayoutVars>
@@ -4457,7 +4496,7 @@
       <dgm:spPr/>
     </dgm:pt>
     <dgm:pt modelId="{2F6B9A8C-9A4F-4821-8FB3-5A38DB6FBB26}" type="pres">
-      <dgm:prSet presAssocID="{B60CD6E8-BDC2-4386-ACB2-2FDB019FF50B}" presName="childTextArrow" presStyleLbl="fgAccFollowNode1" presStyleIdx="3" presStyleCnt="15">
+      <dgm:prSet presAssocID="{B60CD6E8-BDC2-4386-ACB2-2FDB019FF50B}" presName="childTextArrow" presStyleLbl="fgAccFollowNode1" presStyleIdx="3" presStyleCnt="13">
         <dgm:presLayoutVars>
           <dgm:bulletEnabled val="1"/>
         </dgm:presLayoutVars>
@@ -4465,31 +4504,15 @@
       <dgm:spPr/>
     </dgm:pt>
     <dgm:pt modelId="{32CA8105-46E5-4D6C-98C8-9B9242797B30}" type="pres">
-      <dgm:prSet presAssocID="{1C13D08A-E1EC-44CE-8C08-2B17CCED83A1}" presName="childTextArrow" presStyleLbl="fgAccFollowNode1" presStyleIdx="4" presStyleCnt="15">
+      <dgm:prSet presAssocID="{1C13D08A-E1EC-44CE-8C08-2B17CCED83A1}" presName="childTextArrow" presStyleLbl="fgAccFollowNode1" presStyleIdx="4" presStyleCnt="13">
         <dgm:presLayoutVars>
           <dgm:bulletEnabled val="1"/>
         </dgm:presLayoutVars>
       </dgm:prSet>
       <dgm:spPr/>
     </dgm:pt>
-    <dgm:pt modelId="{6EBA0152-27B8-4537-827F-CA660E519533}" type="pres">
-      <dgm:prSet presAssocID="{B87CE9BE-AB2A-420C-9422-29F5C7CD7922}" presName="childTextArrow" presStyleLbl="fgAccFollowNode1" presStyleIdx="5" presStyleCnt="15">
-        <dgm:presLayoutVars>
-          <dgm:bulletEnabled val="1"/>
-        </dgm:presLayoutVars>
-      </dgm:prSet>
-      <dgm:spPr/>
-    </dgm:pt>
-    <dgm:pt modelId="{9F4BA28D-03A8-4D21-B0AE-BC8A351B0A70}" type="pres">
-      <dgm:prSet presAssocID="{ED643620-E8F2-41B6-AE17-16A98040C2B3}" presName="childTextArrow" presStyleLbl="fgAccFollowNode1" presStyleIdx="6" presStyleCnt="15">
-        <dgm:presLayoutVars>
-          <dgm:bulletEnabled val="1"/>
-        </dgm:presLayoutVars>
-      </dgm:prSet>
-      <dgm:spPr/>
-    </dgm:pt>
-    <dgm:pt modelId="{0D66FBAF-08BA-4824-91BA-8236B7B8FBE9}" type="pres">
-      <dgm:prSet presAssocID="{D8658D39-51D6-4A17-BE84-3E834BD3A752}" presName="childTextArrow" presStyleLbl="fgAccFollowNode1" presStyleIdx="7" presStyleCnt="15">
+    <dgm:pt modelId="{6407DBD4-527E-464F-86C6-4A49EC21E0BF}" type="pres">
+      <dgm:prSet presAssocID="{ED643620-E8F2-41B6-AE17-16A98040C2B3}" presName="childTextArrow" presStyleLbl="fgAccFollowNode1" presStyleIdx="5" presStyleCnt="13">
         <dgm:presLayoutVars>
           <dgm:bulletEnabled val="1"/>
         </dgm:presLayoutVars>
@@ -4497,7 +4520,7 @@
       <dgm:spPr/>
     </dgm:pt>
     <dgm:pt modelId="{A072A833-2A74-4FB6-A9FF-9522A5A132BD}" type="pres">
-      <dgm:prSet presAssocID="{FB06FCC6-A7BA-46A6-86F8-8709B543EC34}" presName="childTextArrow" presStyleLbl="fgAccFollowNode1" presStyleIdx="8" presStyleCnt="15">
+      <dgm:prSet presAssocID="{FB06FCC6-A7BA-46A6-86F8-8709B543EC34}" presName="childTextArrow" presStyleLbl="fgAccFollowNode1" presStyleIdx="6" presStyleCnt="13">
         <dgm:presLayoutVars>
           <dgm:bulletEnabled val="1"/>
         </dgm:presLayoutVars>
@@ -4505,7 +4528,7 @@
       <dgm:spPr/>
     </dgm:pt>
     <dgm:pt modelId="{A6B9A42C-17E0-4436-814C-70D325DF0CC3}" type="pres">
-      <dgm:prSet presAssocID="{B69E0DB1-032E-438D-B263-4914F4A316D6}" presName="childTextArrow" presStyleLbl="fgAccFollowNode1" presStyleIdx="9" presStyleCnt="15">
+      <dgm:prSet presAssocID="{B69E0DB1-032E-438D-B263-4914F4A316D6}" presName="childTextArrow" presStyleLbl="fgAccFollowNode1" presStyleIdx="7" presStyleCnt="13">
         <dgm:presLayoutVars>
           <dgm:bulletEnabled val="1"/>
         </dgm:presLayoutVars>
@@ -4513,7 +4536,7 @@
       <dgm:spPr/>
     </dgm:pt>
     <dgm:pt modelId="{BB0E34A1-295D-4E37-9DC9-42D5A07258A4}" type="pres">
-      <dgm:prSet presAssocID="{D0E22442-8C9F-4327-9FD8-0A46B2E05790}" presName="childTextArrow" presStyleLbl="fgAccFollowNode1" presStyleIdx="10" presStyleCnt="15">
+      <dgm:prSet presAssocID="{D0E22442-8C9F-4327-9FD8-0A46B2E05790}" presName="childTextArrow" presStyleLbl="fgAccFollowNode1" presStyleIdx="8" presStyleCnt="13">
         <dgm:presLayoutVars>
           <dgm:bulletEnabled val="1"/>
         </dgm:presLayoutVars>
@@ -4521,7 +4544,7 @@
       <dgm:spPr/>
     </dgm:pt>
     <dgm:pt modelId="{1C2E0697-FBD9-43A9-B83D-82EAE1C69DD1}" type="pres">
-      <dgm:prSet presAssocID="{4140C0B2-D6C3-470D-9EBC-9FC36B19C301}" presName="childTextArrow" presStyleLbl="fgAccFollowNode1" presStyleIdx="11" presStyleCnt="15">
+      <dgm:prSet presAssocID="{4140C0B2-D6C3-470D-9EBC-9FC36B19C301}" presName="childTextArrow" presStyleLbl="fgAccFollowNode1" presStyleIdx="9" presStyleCnt="13">
         <dgm:presLayoutVars>
           <dgm:bulletEnabled val="1"/>
         </dgm:presLayoutVars>
@@ -4549,7 +4572,7 @@
       <dgm:spPr/>
     </dgm:pt>
     <dgm:pt modelId="{860EBDC1-F4D3-4DE9-BD8C-7577199CA254}" type="pres">
-      <dgm:prSet presAssocID="{01644440-3B0E-4FC2-A1E7-F1607AD6E36D}" presName="childTextArrow" presStyleLbl="fgAccFollowNode1" presStyleIdx="12" presStyleCnt="15">
+      <dgm:prSet presAssocID="{01644440-3B0E-4FC2-A1E7-F1607AD6E36D}" presName="childTextArrow" presStyleLbl="fgAccFollowNode1" presStyleIdx="10" presStyleCnt="13">
         <dgm:presLayoutVars>
           <dgm:bulletEnabled val="1"/>
         </dgm:presLayoutVars>
@@ -4557,7 +4580,7 @@
       <dgm:spPr/>
     </dgm:pt>
     <dgm:pt modelId="{753713CC-E3CD-4BFF-ABF3-E2B3B5B4B942}" type="pres">
-      <dgm:prSet presAssocID="{3E83F756-23DE-4C5F-888E-42434F9EA265}" presName="childTextArrow" presStyleLbl="fgAccFollowNode1" presStyleIdx="13" presStyleCnt="15">
+      <dgm:prSet presAssocID="{3E83F756-23DE-4C5F-888E-42434F9EA265}" presName="childTextArrow" presStyleLbl="fgAccFollowNode1" presStyleIdx="11" presStyleCnt="13">
         <dgm:presLayoutVars>
           <dgm:bulletEnabled val="1"/>
         </dgm:presLayoutVars>
@@ -4565,7 +4588,7 @@
       <dgm:spPr/>
     </dgm:pt>
     <dgm:pt modelId="{A6F496BA-953C-4E66-9880-3323CF1864FD}" type="pres">
-      <dgm:prSet presAssocID="{996DB3A6-C3D1-49C3-B288-B04E4CF54B4C}" presName="childTextArrow" presStyleLbl="fgAccFollowNode1" presStyleIdx="14" presStyleCnt="15">
+      <dgm:prSet presAssocID="{996DB3A6-C3D1-49C3-B288-B04E4CF54B4C}" presName="childTextArrow" presStyleLbl="fgAccFollowNode1" presStyleIdx="12" presStyleCnt="13">
         <dgm:presLayoutVars>
           <dgm:bulletEnabled val="1"/>
         </dgm:presLayoutVars>
@@ -4575,45 +4598,41 @@
   </dgm:ptLst>
   <dgm:cxnLst>
     <dgm:cxn modelId="{B65B5A01-95F1-4292-AC68-29B2620C08DA}" srcId="{39BF1BE3-B380-4751-9AC3-00725FEED25B}" destId="{DDDE086A-592B-4EEF-A77B-553BC599FF74}" srcOrd="0" destOrd="0" parTransId="{6958263D-3238-4BBA-819E-A88050C35D7B}" sibTransId="{11FA33A8-D148-4A97-A1BD-951335F075F3}"/>
+    <dgm:cxn modelId="{F3EC2103-88A3-42F4-B9DF-DB3922459098}" type="presOf" srcId="{ED643620-E8F2-41B6-AE17-16A98040C2B3}" destId="{6407DBD4-527E-464F-86C6-4A49EC21E0BF}" srcOrd="0" destOrd="0" presId="urn:microsoft.com/office/officeart/2005/8/layout/process4"/>
     <dgm:cxn modelId="{C5E62E03-8689-468C-8772-450BF35E04E2}" srcId="{DDDE086A-592B-4EEF-A77B-553BC599FF74}" destId="{996DB3A6-C3D1-49C3-B288-B04E4CF54B4C}" srcOrd="2" destOrd="0" parTransId="{3AEE11DB-8AE2-4BC8-9801-4440FBF91822}" sibTransId="{2156DB49-981B-4E5F-A0F0-E9953C1B7EF0}"/>
     <dgm:cxn modelId="{80615503-E6F1-45C3-BF68-B2B35C2A2139}" type="presOf" srcId="{B60CD6E8-BDC2-4386-ACB2-2FDB019FF50B}" destId="{2F6B9A8C-9A4F-4821-8FB3-5A38DB6FBB26}" srcOrd="0" destOrd="0" presId="urn:microsoft.com/office/officeart/2005/8/layout/process4"/>
     <dgm:cxn modelId="{14FC0107-19DC-44C3-8EA4-EE91C5A4D621}" srcId="{39BF1BE3-B380-4751-9AC3-00725FEED25B}" destId="{7F855776-EBC9-424A-BADA-987DECDA34C0}" srcOrd="2" destOrd="0" parTransId="{8B97BC60-3AF4-4658-B370-4ECA0DB206A5}" sibTransId="{675B7AA3-479B-4E1C-A285-ADD77609EE20}"/>
     <dgm:cxn modelId="{1314FF0A-B9EB-4E05-B14D-096B41706AF9}" type="presOf" srcId="{1C13D08A-E1EC-44CE-8C08-2B17CCED83A1}" destId="{32CA8105-46E5-4D6C-98C8-9B9242797B30}" srcOrd="0" destOrd="0" presId="urn:microsoft.com/office/officeart/2005/8/layout/process4"/>
     <dgm:cxn modelId="{3B15590E-0BF7-4325-A6FB-02F54EED261E}" type="presOf" srcId="{39BF1BE3-B380-4751-9AC3-00725FEED25B}" destId="{2D10FB4F-180D-4C56-B4F7-1D4348A6BFCD}" srcOrd="0" destOrd="0" presId="urn:microsoft.com/office/officeart/2005/8/layout/process4"/>
+    <dgm:cxn modelId="{26B1890F-5ABD-41CB-AAFE-6968D9F5953F}" type="presOf" srcId="{FB06FCC6-A7BA-46A6-86F8-8709B543EC34}" destId="{A072A833-2A74-4FB6-A9FF-9522A5A132BD}" srcOrd="0" destOrd="0" presId="urn:microsoft.com/office/officeart/2005/8/layout/process4"/>
     <dgm:cxn modelId="{4F05C11D-025C-4105-A07E-C1E348656EAC}" srcId="{C6826AC3-7E58-4744-B40A-1A5B19066A19}" destId="{B60CD6E8-BDC2-4386-ACB2-2FDB019FF50B}" srcOrd="0" destOrd="0" parTransId="{37979151-0846-4052-890E-C7D70FD98745}" sibTransId="{7AC52B2C-3F06-43DC-8AFF-E076013B0F8F}"/>
     <dgm:cxn modelId="{9F81DC1E-F189-4FF3-9EE8-B86428EC6456}" type="presOf" srcId="{7F855776-EBC9-424A-BADA-987DECDA34C0}" destId="{BA3A9F9F-08C3-4497-A236-AAA2321200AD}" srcOrd="0" destOrd="0" presId="urn:microsoft.com/office/officeart/2005/8/layout/process4"/>
-    <dgm:cxn modelId="{7312062C-10FE-472F-B893-8A83ED90E6D9}" srcId="{C6826AC3-7E58-4744-B40A-1A5B19066A19}" destId="{D0E22442-8C9F-4327-9FD8-0A46B2E05790}" srcOrd="7" destOrd="0" parTransId="{21737AF7-5F7D-4F79-80C7-7F79261DC7F3}" sibTransId="{072B3058-5D7A-476F-B89A-31FE1C86974D}"/>
+    <dgm:cxn modelId="{7312062C-10FE-472F-B893-8A83ED90E6D9}" srcId="{C6826AC3-7E58-4744-B40A-1A5B19066A19}" destId="{D0E22442-8C9F-4327-9FD8-0A46B2E05790}" srcOrd="5" destOrd="0" parTransId="{21737AF7-5F7D-4F79-80C7-7F79261DC7F3}" sibTransId="{072B3058-5D7A-476F-B89A-31FE1C86974D}"/>
     <dgm:cxn modelId="{5037AE2E-A031-4BA3-BBF2-554B705E471E}" type="presOf" srcId="{DDDE086A-592B-4EEF-A77B-553BC599FF74}" destId="{E7A64941-7654-42E5-A182-CF150D9EAEE1}" srcOrd="0" destOrd="0" presId="urn:microsoft.com/office/officeart/2005/8/layout/process4"/>
     <dgm:cxn modelId="{3FA4FD2E-B088-4138-80B2-3D83CB8CA03D}" srcId="{DDDE086A-592B-4EEF-A77B-553BC599FF74}" destId="{01644440-3B0E-4FC2-A1E7-F1607AD6E36D}" srcOrd="0" destOrd="0" parTransId="{F659D4CE-1E4E-4AB1-876A-758C1BABCC62}" sibTransId="{28948DBB-6C20-4831-BF99-E08D3607B4B8}"/>
     <dgm:cxn modelId="{D15AB133-4635-4097-AA65-61C19EDC14B0}" type="presOf" srcId="{E07C380A-7C85-44BC-9B14-CC05F60BCB37}" destId="{A1A23EEE-EE80-4B95-A069-7801D18581D3}" srcOrd="0" destOrd="0" presId="urn:microsoft.com/office/officeart/2005/8/layout/process4"/>
-    <dgm:cxn modelId="{AFD9FF33-927D-4BE9-BF5A-D705D5AB9746}" type="presOf" srcId="{4140C0B2-D6C3-470D-9EBC-9FC36B19C301}" destId="{1C2E0697-FBD9-43A9-B83D-82EAE1C69DD1}" srcOrd="0" destOrd="0" presId="urn:microsoft.com/office/officeart/2005/8/layout/process4"/>
     <dgm:cxn modelId="{C5BAF935-F63C-4261-86FF-C77CFD1195F4}" type="presOf" srcId="{3E83F756-23DE-4C5F-888E-42434F9EA265}" destId="{753713CC-E3CD-4BFF-ABF3-E2B3B5B4B942}" srcOrd="0" destOrd="0" presId="urn:microsoft.com/office/officeart/2005/8/layout/process4"/>
     <dgm:cxn modelId="{4E975236-09D3-4A0C-8559-A56D0F11499C}" type="presOf" srcId="{6BB32E5E-31F4-4B99-A2DD-E52FD3037D13}" destId="{0202C66B-9281-4861-85A8-55E10FEA3118}" srcOrd="0" destOrd="0" presId="urn:microsoft.com/office/officeart/2005/8/layout/process4"/>
     <dgm:cxn modelId="{F0A9705C-740B-4B99-9066-EC6EAADD8350}" type="presOf" srcId="{01644440-3B0E-4FC2-A1E7-F1607AD6E36D}" destId="{860EBDC1-F4D3-4DE9-BD8C-7577199CA254}" srcOrd="0" destOrd="0" presId="urn:microsoft.com/office/officeart/2005/8/layout/process4"/>
     <dgm:cxn modelId="{B6EA505F-CC77-44E2-B7B2-8CB677A16914}" type="presOf" srcId="{C6826AC3-7E58-4744-B40A-1A5B19066A19}" destId="{8072767D-4C18-49CE-9BC6-EB26DF278B5B}" srcOrd="1" destOrd="0" presId="urn:microsoft.com/office/officeart/2005/8/layout/process4"/>
-    <dgm:cxn modelId="{80B86946-0F10-4131-9075-B3D9B5F82338}" type="presOf" srcId="{FB06FCC6-A7BA-46A6-86F8-8709B543EC34}" destId="{A072A833-2A74-4FB6-A9FF-9522A5A132BD}" srcOrd="0" destOrd="0" presId="urn:microsoft.com/office/officeart/2005/8/layout/process4"/>
-    <dgm:cxn modelId="{0F103A79-0594-489D-A745-994CD55593B4}" type="presOf" srcId="{B69E0DB1-032E-438D-B263-4914F4A316D6}" destId="{A6B9A42C-17E0-4436-814C-70D325DF0CC3}" srcOrd="0" destOrd="0" presId="urn:microsoft.com/office/officeart/2005/8/layout/process4"/>
+    <dgm:cxn modelId="{9A01BA78-7516-4C5C-872A-75AF3A565F85}" type="presOf" srcId="{4140C0B2-D6C3-470D-9EBC-9FC36B19C301}" destId="{1C2E0697-FBD9-43A9-B83D-82EAE1C69DD1}" srcOrd="0" destOrd="0" presId="urn:microsoft.com/office/officeart/2005/8/layout/process4"/>
     <dgm:cxn modelId="{F8D26184-2BF2-4F0C-98BF-C99CEA53B8A8}" srcId="{DDDE086A-592B-4EEF-A77B-553BC599FF74}" destId="{3E83F756-23DE-4C5F-888E-42434F9EA265}" srcOrd="1" destOrd="0" parTransId="{9A5E2D1A-9482-4B3D-AAE5-5CD491103A8E}" sibTransId="{5868391E-057D-4E06-853C-F78F51040C7D}"/>
-    <dgm:cxn modelId="{D8467F85-41F1-4B4A-B240-0C149DF3AF8F}" srcId="{C6826AC3-7E58-4744-B40A-1A5B19066A19}" destId="{D8658D39-51D6-4A17-BE84-3E834BD3A752}" srcOrd="4" destOrd="0" parTransId="{F5BC846C-AF52-4B6F-B10C-F96D8C4F4111}" sibTransId="{FBEA5D12-5D17-4E91-AF23-129F17152AB8}"/>
     <dgm:cxn modelId="{00B33D8F-3336-44FB-9CAC-09B9C64ADC49}" srcId="{C6826AC3-7E58-4744-B40A-1A5B19066A19}" destId="{1C13D08A-E1EC-44CE-8C08-2B17CCED83A1}" srcOrd="1" destOrd="0" parTransId="{3B7B3A7F-8292-4157-8A09-FF883571CDD2}" sibTransId="{DF12C069-D049-4806-A2D2-810F1A87EFF1}"/>
-    <dgm:cxn modelId="{53387393-B7DD-4BD4-B30F-7161636D8848}" srcId="{C6826AC3-7E58-4744-B40A-1A5B19066A19}" destId="{FB06FCC6-A7BA-46A6-86F8-8709B543EC34}" srcOrd="5" destOrd="0" parTransId="{D6521E77-94CD-4146-826F-5A5DA50DB2B4}" sibTransId="{0C13833F-2531-4C21-BA2D-F585557D0C42}"/>
+    <dgm:cxn modelId="{53387393-B7DD-4BD4-B30F-7161636D8848}" srcId="{C6826AC3-7E58-4744-B40A-1A5B19066A19}" destId="{FB06FCC6-A7BA-46A6-86F8-8709B543EC34}" srcOrd="3" destOrd="0" parTransId="{D6521E77-94CD-4146-826F-5A5DA50DB2B4}" sibTransId="{0C13833F-2531-4C21-BA2D-F585557D0C42}"/>
     <dgm:cxn modelId="{F0143795-2622-4AB1-BD8C-7AD13FF140C2}" type="presOf" srcId="{7F855776-EBC9-424A-BADA-987DECDA34C0}" destId="{5D828E42-70C0-45DF-B810-CFA293219043}" srcOrd="1" destOrd="0" presId="urn:microsoft.com/office/officeart/2005/8/layout/process4"/>
-    <dgm:cxn modelId="{CC092D98-64BF-4FC7-855C-B1B2B3AFE2AF}" srcId="{C6826AC3-7E58-4744-B40A-1A5B19066A19}" destId="{4140C0B2-D6C3-470D-9EBC-9FC36B19C301}" srcOrd="8" destOrd="0" parTransId="{32FCD282-256A-4E9D-BEF4-06ABE1F61B9C}" sibTransId="{E500CEDF-795F-4B12-BA57-FD84AA761C67}"/>
+    <dgm:cxn modelId="{CC092D98-64BF-4FC7-855C-B1B2B3AFE2AF}" srcId="{C6826AC3-7E58-4744-B40A-1A5B19066A19}" destId="{4140C0B2-D6C3-470D-9EBC-9FC36B19C301}" srcOrd="6" destOrd="0" parTransId="{32FCD282-256A-4E9D-BEF4-06ABE1F61B9C}" sibTransId="{E500CEDF-795F-4B12-BA57-FD84AA761C67}"/>
     <dgm:cxn modelId="{62677F9F-1FE3-4414-A501-764F52FF89BF}" type="presOf" srcId="{C6826AC3-7E58-4744-B40A-1A5B19066A19}" destId="{11288208-F770-4C8B-9AE1-F20E076BBF87}" srcOrd="0" destOrd="0" presId="urn:microsoft.com/office/officeart/2005/8/layout/process4"/>
     <dgm:cxn modelId="{DFC5B9A3-EB99-4E1C-8CA2-E4ED806A81B9}" srcId="{39BF1BE3-B380-4751-9AC3-00725FEED25B}" destId="{C6826AC3-7E58-4744-B40A-1A5B19066A19}" srcOrd="1" destOrd="0" parTransId="{29092A04-3787-4382-BDAB-979FBCFBA18A}" sibTransId="{65EC447F-CDAB-439A-A936-47691B90D07E}"/>
-    <dgm:cxn modelId="{4225A7A5-332F-48A5-8272-AA6F3ACC832F}" type="presOf" srcId="{D0E22442-8C9F-4327-9FD8-0A46B2E05790}" destId="{BB0E34A1-295D-4E37-9DC9-42D5A07258A4}" srcOrd="0" destOrd="0" presId="urn:microsoft.com/office/officeart/2005/8/layout/process4"/>
     <dgm:cxn modelId="{A9C0CDB4-86BF-4349-AB22-E0559B73788F}" type="presOf" srcId="{814408A7-95C3-4940-B31C-EB7AD1F331C8}" destId="{C3A337A9-E742-496B-B947-8BC212C1CF61}" srcOrd="0" destOrd="0" presId="urn:microsoft.com/office/officeart/2005/8/layout/process4"/>
-    <dgm:cxn modelId="{DE9B6DBD-84B3-416F-AB2B-6537916B05EE}" srcId="{C6826AC3-7E58-4744-B40A-1A5B19066A19}" destId="{ED643620-E8F2-41B6-AE17-16A98040C2B3}" srcOrd="3" destOrd="0" parTransId="{2781E2CA-6E31-4D82-8E2C-2CC2C5E9B4C2}" sibTransId="{1BB37E92-0A96-4DE6-A257-A0635836C4A2}"/>
-    <dgm:cxn modelId="{F830BBBD-EB49-4E1C-BA17-D4C56A6D326A}" srcId="{C6826AC3-7E58-4744-B40A-1A5B19066A19}" destId="{B69E0DB1-032E-438D-B263-4914F4A316D6}" srcOrd="6" destOrd="0" parTransId="{5DC80551-FF79-41C4-8CA3-7BF2F9416AFD}" sibTransId="{3394D38B-1659-46A3-A993-604203EEA4AC}"/>
+    <dgm:cxn modelId="{DE9B6DBD-84B3-416F-AB2B-6537916B05EE}" srcId="{C6826AC3-7E58-4744-B40A-1A5B19066A19}" destId="{ED643620-E8F2-41B6-AE17-16A98040C2B3}" srcOrd="2" destOrd="0" parTransId="{2781E2CA-6E31-4D82-8E2C-2CC2C5E9B4C2}" sibTransId="{1BB37E92-0A96-4DE6-A257-A0635836C4A2}"/>
+    <dgm:cxn modelId="{F830BBBD-EB49-4E1C-BA17-D4C56A6D326A}" srcId="{C6826AC3-7E58-4744-B40A-1A5B19066A19}" destId="{B69E0DB1-032E-438D-B263-4914F4A316D6}" srcOrd="4" destOrd="0" parTransId="{5DC80551-FF79-41C4-8CA3-7BF2F9416AFD}" sibTransId="{3394D38B-1659-46A3-A993-604203EEA4AC}"/>
+    <dgm:cxn modelId="{764AC3BD-FBC9-4E68-9AA4-2A695E74B836}" type="presOf" srcId="{B69E0DB1-032E-438D-B263-4914F4A316D6}" destId="{A6B9A42C-17E0-4436-814C-70D325DF0CC3}" srcOrd="0" destOrd="0" presId="urn:microsoft.com/office/officeart/2005/8/layout/process4"/>
     <dgm:cxn modelId="{E059FDBD-4A2B-4F6A-B11F-24A16226297D}" srcId="{7F855776-EBC9-424A-BADA-987DECDA34C0}" destId="{6BB32E5E-31F4-4B99-A2DD-E52FD3037D13}" srcOrd="0" destOrd="0" parTransId="{4BEF18DC-CFE3-4C0B-85AE-4C037AAF88E9}" sibTransId="{AE2FBEBB-FD58-431A-9139-18FB83C37A29}"/>
     <dgm:cxn modelId="{8015DCC3-F49D-4088-ADB4-05BFEE21461A}" type="presOf" srcId="{DDDE086A-592B-4EEF-A77B-553BC599FF74}" destId="{7DC7FBFC-0B92-4D17-B517-DDE27E93F11F}" srcOrd="1" destOrd="0" presId="urn:microsoft.com/office/officeart/2005/8/layout/process4"/>
     <dgm:cxn modelId="{1053AACD-3B1C-4C44-8747-FEA20D3D68B2}" type="presOf" srcId="{996DB3A6-C3D1-49C3-B288-B04E4CF54B4C}" destId="{A6F496BA-953C-4E66-9880-3323CF1864FD}" srcOrd="0" destOrd="0" presId="urn:microsoft.com/office/officeart/2005/8/layout/process4"/>
-    <dgm:cxn modelId="{C5B8B9D6-20AE-49FA-B3D4-FDA589A01EC8}" type="presOf" srcId="{ED643620-E8F2-41B6-AE17-16A98040C2B3}" destId="{9F4BA28D-03A8-4D21-B0AE-BC8A351B0A70}" srcOrd="0" destOrd="0" presId="urn:microsoft.com/office/officeart/2005/8/layout/process4"/>
+    <dgm:cxn modelId="{ED7ECEDE-DCBD-4910-A07F-26BAB4676801}" type="presOf" srcId="{D0E22442-8C9F-4327-9FD8-0A46B2E05790}" destId="{BB0E34A1-295D-4E37-9DC9-42D5A07258A4}" srcOrd="0" destOrd="0" presId="urn:microsoft.com/office/officeart/2005/8/layout/process4"/>
     <dgm:cxn modelId="{06A6DAE5-BC1E-4D3F-994F-93E2FFC29ED0}" srcId="{7F855776-EBC9-424A-BADA-987DECDA34C0}" destId="{E07C380A-7C85-44BC-9B14-CC05F60BCB37}" srcOrd="1" destOrd="0" parTransId="{2D24ED68-205A-4F21-92CF-5832B4A56EA8}" sibTransId="{A414130E-3A48-4962-9F14-27A236B73134}"/>
     <dgm:cxn modelId="{8CC249ED-3CB2-43C8-A841-B625F050738B}" srcId="{7F855776-EBC9-424A-BADA-987DECDA34C0}" destId="{814408A7-95C3-4940-B31C-EB7AD1F331C8}" srcOrd="2" destOrd="0" parTransId="{A584D35B-04E4-4F62-948B-29B2805BB7C8}" sibTransId="{36BE37AE-E6DA-43BA-8991-C95F9280E0B3}"/>
-    <dgm:cxn modelId="{B26887EF-5D92-48B7-B482-F78B8FA35494}" srcId="{C6826AC3-7E58-4744-B40A-1A5B19066A19}" destId="{B87CE9BE-AB2A-420C-9422-29F5C7CD7922}" srcOrd="2" destOrd="0" parTransId="{B57B8D41-2695-492C-A8B1-9EF381FE9135}" sibTransId="{B949F25B-A58C-4809-BD23-B9E704C327CD}"/>
-    <dgm:cxn modelId="{861DD5F7-36E6-467D-9EE6-9FFD9C541182}" type="presOf" srcId="{D8658D39-51D6-4A17-BE84-3E834BD3A752}" destId="{0D66FBAF-08BA-4824-91BA-8236B7B8FBE9}" srcOrd="0" destOrd="0" presId="urn:microsoft.com/office/officeart/2005/8/layout/process4"/>
-    <dgm:cxn modelId="{F90B76FF-BE30-4AE3-B78F-78E744756565}" type="presOf" srcId="{B87CE9BE-AB2A-420C-9422-29F5C7CD7922}" destId="{6EBA0152-27B8-4537-827F-CA660E519533}" srcOrd="0" destOrd="0" presId="urn:microsoft.com/office/officeart/2005/8/layout/process4"/>
     <dgm:cxn modelId="{36844AD1-9133-4A0A-A890-168A4F69E600}" type="presParOf" srcId="{2D10FB4F-180D-4C56-B4F7-1D4348A6BFCD}" destId="{9D7F2335-457E-41E3-925E-AE9EB215697C}" srcOrd="0" destOrd="0" presId="urn:microsoft.com/office/officeart/2005/8/layout/process4"/>
     <dgm:cxn modelId="{B179DDA3-1F38-42F3-B3AB-5851277D884E}" type="presParOf" srcId="{9D7F2335-457E-41E3-925E-AE9EB215697C}" destId="{BA3A9F9F-08C3-4497-A236-AAA2321200AD}" srcOrd="0" destOrd="0" presId="urn:microsoft.com/office/officeart/2005/8/layout/process4"/>
     <dgm:cxn modelId="{312532C4-1BC2-4691-93ED-C57A1648FFF2}" type="presParOf" srcId="{9D7F2335-457E-41E3-925E-AE9EB215697C}" destId="{5D828E42-70C0-45DF-B810-CFA293219043}" srcOrd="1" destOrd="0" presId="urn:microsoft.com/office/officeart/2005/8/layout/process4"/>
@@ -4628,13 +4647,11 @@
     <dgm:cxn modelId="{E9811288-9F8E-4658-B83E-9CDF80A56807}" type="presParOf" srcId="{58F36987-F7D6-4244-8566-C1063DB4BF1E}" destId="{D5A6336D-BB90-464C-971E-4283D562626F}" srcOrd="2" destOrd="0" presId="urn:microsoft.com/office/officeart/2005/8/layout/process4"/>
     <dgm:cxn modelId="{1B48153D-7661-4122-9806-2CCA5B52CE8C}" type="presParOf" srcId="{D5A6336D-BB90-464C-971E-4283D562626F}" destId="{2F6B9A8C-9A4F-4821-8FB3-5A38DB6FBB26}" srcOrd="0" destOrd="0" presId="urn:microsoft.com/office/officeart/2005/8/layout/process4"/>
     <dgm:cxn modelId="{5225CA62-A2F2-4CCE-BF3B-75323197BBAF}" type="presParOf" srcId="{D5A6336D-BB90-464C-971E-4283D562626F}" destId="{32CA8105-46E5-4D6C-98C8-9B9242797B30}" srcOrd="1" destOrd="0" presId="urn:microsoft.com/office/officeart/2005/8/layout/process4"/>
-    <dgm:cxn modelId="{B53480E5-9B8D-48F2-AFFC-EE74C15B3CD0}" type="presParOf" srcId="{D5A6336D-BB90-464C-971E-4283D562626F}" destId="{6EBA0152-27B8-4537-827F-CA660E519533}" srcOrd="2" destOrd="0" presId="urn:microsoft.com/office/officeart/2005/8/layout/process4"/>
-    <dgm:cxn modelId="{26B4114E-2CF7-4B55-B127-3E3279C34BD7}" type="presParOf" srcId="{D5A6336D-BB90-464C-971E-4283D562626F}" destId="{9F4BA28D-03A8-4D21-B0AE-BC8A351B0A70}" srcOrd="3" destOrd="0" presId="urn:microsoft.com/office/officeart/2005/8/layout/process4"/>
-    <dgm:cxn modelId="{73BFBE50-DCEE-4016-807A-1B2FD0615D61}" type="presParOf" srcId="{D5A6336D-BB90-464C-971E-4283D562626F}" destId="{0D66FBAF-08BA-4824-91BA-8236B7B8FBE9}" srcOrd="4" destOrd="0" presId="urn:microsoft.com/office/officeart/2005/8/layout/process4"/>
-    <dgm:cxn modelId="{36FE08F7-B276-4944-BFD0-2F3F8A36B916}" type="presParOf" srcId="{D5A6336D-BB90-464C-971E-4283D562626F}" destId="{A072A833-2A74-4FB6-A9FF-9522A5A132BD}" srcOrd="5" destOrd="0" presId="urn:microsoft.com/office/officeart/2005/8/layout/process4"/>
-    <dgm:cxn modelId="{CD86E0BB-C329-46F6-8D95-0072E4FD2690}" type="presParOf" srcId="{D5A6336D-BB90-464C-971E-4283D562626F}" destId="{A6B9A42C-17E0-4436-814C-70D325DF0CC3}" srcOrd="6" destOrd="0" presId="urn:microsoft.com/office/officeart/2005/8/layout/process4"/>
-    <dgm:cxn modelId="{29AFD011-0410-4CEE-984B-ABA7D99D2627}" type="presParOf" srcId="{D5A6336D-BB90-464C-971E-4283D562626F}" destId="{BB0E34A1-295D-4E37-9DC9-42D5A07258A4}" srcOrd="7" destOrd="0" presId="urn:microsoft.com/office/officeart/2005/8/layout/process4"/>
-    <dgm:cxn modelId="{217D04ED-FCAC-492F-8AF3-64F93D5E8413}" type="presParOf" srcId="{D5A6336D-BB90-464C-971E-4283D562626F}" destId="{1C2E0697-FBD9-43A9-B83D-82EAE1C69DD1}" srcOrd="8" destOrd="0" presId="urn:microsoft.com/office/officeart/2005/8/layout/process4"/>
+    <dgm:cxn modelId="{EDA12A28-ECC9-4B68-AA9B-6F8DCC9211DB}" type="presParOf" srcId="{D5A6336D-BB90-464C-971E-4283D562626F}" destId="{6407DBD4-527E-464F-86C6-4A49EC21E0BF}" srcOrd="2" destOrd="0" presId="urn:microsoft.com/office/officeart/2005/8/layout/process4"/>
+    <dgm:cxn modelId="{55B9C413-A884-449E-9480-8A230A1EC3F9}" type="presParOf" srcId="{D5A6336D-BB90-464C-971E-4283D562626F}" destId="{A072A833-2A74-4FB6-A9FF-9522A5A132BD}" srcOrd="3" destOrd="0" presId="urn:microsoft.com/office/officeart/2005/8/layout/process4"/>
+    <dgm:cxn modelId="{336445A2-B98F-4229-9F39-6B3D9C92FBBF}" type="presParOf" srcId="{D5A6336D-BB90-464C-971E-4283D562626F}" destId="{A6B9A42C-17E0-4436-814C-70D325DF0CC3}" srcOrd="4" destOrd="0" presId="urn:microsoft.com/office/officeart/2005/8/layout/process4"/>
+    <dgm:cxn modelId="{FA06D021-AE6B-4D80-9447-7FA74E0A10A9}" type="presParOf" srcId="{D5A6336D-BB90-464C-971E-4283D562626F}" destId="{BB0E34A1-295D-4E37-9DC9-42D5A07258A4}" srcOrd="5" destOrd="0" presId="urn:microsoft.com/office/officeart/2005/8/layout/process4"/>
+    <dgm:cxn modelId="{65A88F64-F5F7-4714-8243-96AF118CE1B0}" type="presParOf" srcId="{D5A6336D-BB90-464C-971E-4283D562626F}" destId="{1C2E0697-FBD9-43A9-B83D-82EAE1C69DD1}" srcOrd="6" destOrd="0" presId="urn:microsoft.com/office/officeart/2005/8/layout/process4"/>
     <dgm:cxn modelId="{5039F8FB-62CC-4D69-AC54-EC3A4B3B9476}" type="presParOf" srcId="{2D10FB4F-180D-4C56-B4F7-1D4348A6BFCD}" destId="{D67A512F-3863-43B8-A00B-F5E0A9C9A9E6}" srcOrd="3" destOrd="0" presId="urn:microsoft.com/office/officeart/2005/8/layout/process4"/>
     <dgm:cxn modelId="{3EC15C10-2C6C-4D1E-9B3A-4867364DE763}" type="presParOf" srcId="{2D10FB4F-180D-4C56-B4F7-1D4348A6BFCD}" destId="{41CFBF8C-5839-4C2A-ACFC-74B445E57E2E}" srcOrd="4" destOrd="0" presId="urn:microsoft.com/office/officeart/2005/8/layout/process4"/>
     <dgm:cxn modelId="{B4C00007-0088-4F3A-8A37-0AF4EED623F0}" type="presParOf" srcId="{41CFBF8C-5839-4C2A-ACFC-74B445E57E2E}" destId="{E7A64941-7654-42E5-A182-CF150D9EAEE1}" srcOrd="0" destOrd="0" presId="urn:microsoft.com/office/officeart/2005/8/layout/process4"/>
@@ -5217,17 +5234,17 @@
       </dgm:t>
     </dgm:pt>
     <dgm:pt modelId="{C5DAAA73-8FD1-4549-BEFD-64A574FBE6A3}">
-      <dgm:prSet phldrT="[Text]"/>
+      <dgm:prSet phldrT="[Text]" custT="1"/>
       <dgm:spPr/>
       <dgm:t>
         <a:bodyPr/>
         <a:lstStyle/>
         <a:p>
           <a:r>
-            <a:rPr lang="en-US"/>
+            <a:rPr lang="en-US" sz="3200"/>
             <a:t>Xử lý thành công</a:t>
           </a:r>
-          <a:endParaRPr lang="en-001"/>
+          <a:endParaRPr lang="en-001" sz="3200"/>
         </a:p>
       </dgm:t>
     </dgm:pt>
@@ -5254,17 +5271,17 @@
       </dgm:t>
     </dgm:pt>
     <dgm:pt modelId="{CC5FC566-1D95-4E8D-893A-82AC559EFFE4}">
-      <dgm:prSet/>
+      <dgm:prSet custT="1"/>
       <dgm:spPr/>
       <dgm:t>
         <a:bodyPr/>
         <a:lstStyle/>
         <a:p>
           <a:r>
-            <a:rPr lang="en-US"/>
+            <a:rPr lang="en-US" sz="3200"/>
             <a:t>Lỗi do phía client</a:t>
           </a:r>
-          <a:endParaRPr lang="en-001"/>
+          <a:endParaRPr lang="en-001" sz="3200"/>
         </a:p>
       </dgm:t>
     </dgm:pt>
@@ -5291,17 +5308,49 @@
       </dgm:t>
     </dgm:pt>
     <dgm:pt modelId="{B7E4BFFC-E865-4B53-B4D2-BF8C2D4A42AC}">
-      <dgm:prSet phldrT="[Text]"/>
+      <dgm:prSet phldrT="[Text]" custT="1"/>
       <dgm:spPr/>
       <dgm:t>
         <a:bodyPr/>
         <a:lstStyle/>
         <a:p>
           <a:r>
-            <a:rPr lang="en-US"/>
-            <a:t>App và Web Browser sẽ không hiển thị exception ở client</a:t>
+            <a:rPr lang="en-US" sz="3200" dirty="0"/>
+            <a:t>App và Web Browser </a:t>
           </a:r>
-          <a:endParaRPr lang="en-001"/>
+          <a:r>
+            <a:rPr lang="en-US" sz="3200" dirty="0" err="1"/>
+            <a:t>sẽ</a:t>
+          </a:r>
+          <a:r>
+            <a:rPr lang="en-US" sz="3200" dirty="0"/>
+            <a:t> </a:t>
+          </a:r>
+          <a:r>
+            <a:rPr lang="en-US" sz="3200" dirty="0" err="1"/>
+            <a:t>không</a:t>
+          </a:r>
+          <a:r>
+            <a:rPr lang="en-US" sz="3200" dirty="0"/>
+            <a:t> </a:t>
+          </a:r>
+          <a:r>
+            <a:rPr lang="en-US" sz="3200" dirty="0" err="1"/>
+            <a:t>hiển</a:t>
+          </a:r>
+          <a:r>
+            <a:rPr lang="en-US" sz="3200" dirty="0"/>
+            <a:t> </a:t>
+          </a:r>
+          <a:r>
+            <a:rPr lang="en-US" sz="3200" dirty="0" err="1"/>
+            <a:t>thị</a:t>
+          </a:r>
+          <a:r>
+            <a:rPr lang="en-US" sz="3200" dirty="0"/>
+            <a:t> exception ở client</a:t>
+          </a:r>
+          <a:endParaRPr lang="en-001" sz="3200" dirty="0"/>
         </a:p>
       </dgm:t>
     </dgm:pt>
@@ -5328,17 +5377,41 @@
       </dgm:t>
     </dgm:pt>
     <dgm:pt modelId="{5690ACE6-1FD7-4BD5-86D0-D8BBCAB2043B}">
-      <dgm:prSet/>
+      <dgm:prSet custT="1"/>
       <dgm:spPr/>
       <dgm:t>
         <a:bodyPr/>
         <a:lstStyle/>
         <a:p>
           <a:r>
-            <a:rPr lang="en-US"/>
-            <a:t>App và Web Browser sẽ hiển thị exception ở client</a:t>
+            <a:rPr lang="en-US" sz="3200" dirty="0"/>
+            <a:t>App và Web Browser </a:t>
           </a:r>
-          <a:endParaRPr lang="en-001"/>
+          <a:r>
+            <a:rPr lang="en-US" sz="3200" dirty="0" err="1"/>
+            <a:t>sẽ</a:t>
+          </a:r>
+          <a:r>
+            <a:rPr lang="en-US" sz="3200" dirty="0"/>
+            <a:t> </a:t>
+          </a:r>
+          <a:r>
+            <a:rPr lang="en-US" sz="3200" dirty="0" err="1"/>
+            <a:t>hiển</a:t>
+          </a:r>
+          <a:r>
+            <a:rPr lang="en-US" sz="3200" dirty="0"/>
+            <a:t> </a:t>
+          </a:r>
+          <a:r>
+            <a:rPr lang="en-US" sz="3200" dirty="0" err="1"/>
+            <a:t>thị</a:t>
+          </a:r>
+          <a:r>
+            <a:rPr lang="en-US" sz="3200" dirty="0"/>
+            <a:t> exception ở client</a:t>
+          </a:r>
+          <a:endParaRPr lang="en-001" sz="3200" dirty="0"/>
         </a:p>
       </dgm:t>
     </dgm:pt>
@@ -5365,17 +5438,45 @@
       </dgm:t>
     </dgm:pt>
     <dgm:pt modelId="{876C14B9-7C57-43A5-A27F-53683B98CCF1}">
-      <dgm:prSet/>
+      <dgm:prSet custT="1"/>
       <dgm:spPr/>
       <dgm:t>
         <a:bodyPr/>
         <a:lstStyle/>
         <a:p>
           <a:r>
-            <a:rPr lang="en-US"/>
-            <a:t>Retry không có tác dụng</a:t>
+            <a:rPr lang="en-US" sz="3200" dirty="0"/>
+            <a:t>Retry </a:t>
           </a:r>
-          <a:endParaRPr lang="en-001"/>
+          <a:r>
+            <a:rPr lang="en-US" sz="3200" dirty="0" err="1"/>
+            <a:t>không</a:t>
+          </a:r>
+          <a:r>
+            <a:rPr lang="en-US" sz="3200" dirty="0"/>
+            <a:t> </a:t>
+          </a:r>
+          <a:r>
+            <a:rPr lang="en-US" sz="3200" dirty="0" err="1"/>
+            <a:t>có</a:t>
+          </a:r>
+          <a:r>
+            <a:rPr lang="en-US" sz="3200" dirty="0"/>
+            <a:t> </a:t>
+          </a:r>
+          <a:r>
+            <a:rPr lang="en-US" sz="3200" dirty="0" err="1"/>
+            <a:t>tác</a:t>
+          </a:r>
+          <a:r>
+            <a:rPr lang="en-US" sz="3200" dirty="0"/>
+            <a:t> </a:t>
+          </a:r>
+          <a:r>
+            <a:rPr lang="en-US" sz="3200" dirty="0" err="1"/>
+            <a:t>dụng</a:t>
+          </a:r>
+          <a:endParaRPr lang="en-001" sz="3200" dirty="0"/>
         </a:p>
       </dgm:t>
     </dgm:pt>
@@ -5439,17 +5540,25 @@
       </dgm:t>
     </dgm:pt>
     <dgm:pt modelId="{671B2022-6552-460B-B5A7-9856DD0612BF}">
-      <dgm:prSet/>
+      <dgm:prSet custT="1"/>
       <dgm:spPr/>
       <dgm:t>
         <a:bodyPr/>
         <a:lstStyle/>
         <a:p>
           <a:r>
-            <a:rPr lang="en-US"/>
-            <a:t>Lỗi do phía server</a:t>
+            <a:rPr lang="en-US" sz="3200" dirty="0"/>
+            <a:t>Lỗi do </a:t>
           </a:r>
-          <a:endParaRPr lang="en-001"/>
+          <a:r>
+            <a:rPr lang="en-US" sz="3200" dirty="0" err="1"/>
+            <a:t>phía</a:t>
+          </a:r>
+          <a:r>
+            <a:rPr lang="en-US" sz="3200" dirty="0"/>
+            <a:t> server</a:t>
+          </a:r>
+          <a:endParaRPr lang="en-001" sz="3200" dirty="0"/>
         </a:p>
       </dgm:t>
     </dgm:pt>
@@ -5476,17 +5585,17 @@
       </dgm:t>
     </dgm:pt>
     <dgm:pt modelId="{3E014126-3ACD-44CF-8205-788BEA6B4AE0}">
-      <dgm:prSet/>
+      <dgm:prSet custT="1"/>
       <dgm:spPr/>
       <dgm:t>
         <a:bodyPr/>
         <a:lstStyle/>
         <a:p>
           <a:r>
-            <a:rPr lang="en-US"/>
+            <a:rPr lang="en-US" sz="3200"/>
             <a:t>App và Web Browser sẽ hiển thị exception ở client</a:t>
           </a:r>
-          <a:endParaRPr lang="en-001"/>
+          <a:endParaRPr lang="en-001" sz="3200"/>
         </a:p>
       </dgm:t>
     </dgm:pt>
@@ -5513,17 +5622,37 @@
       </dgm:t>
     </dgm:pt>
     <dgm:pt modelId="{B5008E4F-D7EF-47E8-B6D4-A61EF75BC4B9}">
-      <dgm:prSet/>
+      <dgm:prSet custT="1"/>
       <dgm:spPr/>
       <dgm:t>
         <a:bodyPr/>
         <a:lstStyle/>
         <a:p>
           <a:r>
-            <a:rPr lang="en-US"/>
-            <a:t>Retry có tác dụng</a:t>
+            <a:rPr lang="en-US" sz="3200" dirty="0"/>
+            <a:t>Retry </a:t>
           </a:r>
-          <a:endParaRPr lang="en-001"/>
+          <a:r>
+            <a:rPr lang="en-US" sz="3200" dirty="0" err="1"/>
+            <a:t>có</a:t>
+          </a:r>
+          <a:r>
+            <a:rPr lang="en-US" sz="3200" dirty="0"/>
+            <a:t> </a:t>
+          </a:r>
+          <a:r>
+            <a:rPr lang="en-US" sz="3200" dirty="0" err="1"/>
+            <a:t>tác</a:t>
+          </a:r>
+          <a:r>
+            <a:rPr lang="en-US" sz="3200" dirty="0"/>
+            <a:t> </a:t>
+          </a:r>
+          <a:r>
+            <a:rPr lang="en-US" sz="3200" dirty="0" err="1"/>
+            <a:t>dụng</a:t>
+          </a:r>
+          <a:endParaRPr lang="en-001" sz="3200" dirty="0"/>
         </a:p>
       </dgm:t>
     </dgm:pt>
@@ -6119,10 +6248,58 @@
             <a:buNone/>
           </a:pPr>
           <a:r>
-            <a:rPr lang="en-US" sz="2300" kern="1200"/>
-            <a:t>StrongService&lt;TStrongEntity&gt; : IStrongService&lt;TStrongEntity&gt;</a:t>
+            <a:rPr lang="en-US" sz="2300" kern="1200" dirty="0" err="1">
+              <a:solidFill>
+                <a:srgbClr val="FFFF00"/>
+              </a:solidFill>
+            </a:rPr>
+            <a:t>StrongService</a:t>
           </a:r>
-          <a:endParaRPr lang="en-001" sz="2300" kern="1200"/>
+          <a:r>
+            <a:rPr lang="en-US" sz="2300" kern="1200" dirty="0">
+              <a:solidFill>
+                <a:srgbClr val="FFFF00"/>
+              </a:solidFill>
+            </a:rPr>
+            <a:t>&lt;</a:t>
+          </a:r>
+          <a:r>
+            <a:rPr lang="en-US" sz="2300" kern="1200" dirty="0" err="1">
+              <a:solidFill>
+                <a:srgbClr val="FFFF00"/>
+              </a:solidFill>
+            </a:rPr>
+            <a:t>TStrongEntity</a:t>
+          </a:r>
+          <a:r>
+            <a:rPr lang="en-US" sz="2300" kern="1200" dirty="0">
+              <a:solidFill>
+                <a:srgbClr val="FFFF00"/>
+              </a:solidFill>
+            </a:rPr>
+            <a:t>&gt;</a:t>
+          </a:r>
+          <a:r>
+            <a:rPr lang="en-US" sz="2300" kern="1200" dirty="0"/>
+            <a:t> : </a:t>
+          </a:r>
+          <a:r>
+            <a:rPr lang="en-US" sz="2300" kern="1200" dirty="0" err="1"/>
+            <a:t>IStrongService</a:t>
+          </a:r>
+          <a:r>
+            <a:rPr lang="en-US" sz="2300" kern="1200" dirty="0"/>
+            <a:t>&lt;</a:t>
+          </a:r>
+          <a:r>
+            <a:rPr lang="en-US" sz="2300" kern="1200" dirty="0" err="1"/>
+            <a:t>TStrongEntity</a:t>
+          </a:r>
+          <a:r>
+            <a:rPr lang="en-US" sz="2300" kern="1200" dirty="0"/>
+            <a:t>&gt;</a:t>
+          </a:r>
+          <a:endParaRPr lang="en-001" sz="2300" kern="1200" dirty="0"/>
         </a:p>
       </dsp:txBody>
       <dsp:txXfrm>
@@ -6182,12 +6359,12 @@
         <a:fontRef idx="minor"/>
       </dsp:style>
       <dsp:txBody>
-        <a:bodyPr spcFirstLastPara="0" vert="horz" wrap="square" lIns="78232" tIns="13970" rIns="78232" bIns="13970" numCol="1" spcCol="1270" anchor="ctr" anchorCtr="0">
+        <a:bodyPr spcFirstLastPara="0" vert="horz" wrap="square" lIns="163576" tIns="29210" rIns="163576" bIns="29210" numCol="1" spcCol="1270" anchor="ctr" anchorCtr="0">
           <a:noAutofit/>
         </a:bodyPr>
         <a:lstStyle/>
         <a:p>
-          <a:pPr marL="0" lvl="0" indent="0" algn="ctr" defTabSz="488950">
+          <a:pPr marL="0" lvl="0" indent="0" algn="ctr" defTabSz="1022350">
             <a:lnSpc>
               <a:spcPct val="90000"/>
             </a:lnSpc>
@@ -6200,10 +6377,10 @@
             <a:buNone/>
           </a:pPr>
           <a:r>
-            <a:rPr lang="en-US" sz="1100" kern="1200"/>
+            <a:rPr lang="en-US" sz="2300" kern="1200"/>
             <a:t>GetById</a:t>
           </a:r>
-          <a:endParaRPr lang="en-001" sz="1100" kern="1200"/>
+          <a:endParaRPr lang="en-001" sz="2300" kern="1200"/>
         </a:p>
       </dsp:txBody>
       <dsp:txXfrm>
@@ -6263,12 +6440,12 @@
         <a:fontRef idx="minor"/>
       </dsp:style>
       <dsp:txBody>
-        <a:bodyPr spcFirstLastPara="0" vert="horz" wrap="square" lIns="78232" tIns="13970" rIns="78232" bIns="13970" numCol="1" spcCol="1270" anchor="ctr" anchorCtr="0">
+        <a:bodyPr spcFirstLastPara="0" vert="horz" wrap="square" lIns="163576" tIns="29210" rIns="163576" bIns="29210" numCol="1" spcCol="1270" anchor="ctr" anchorCtr="0">
           <a:noAutofit/>
         </a:bodyPr>
         <a:lstStyle/>
         <a:p>
-          <a:pPr marL="0" lvl="0" indent="0" algn="ctr" defTabSz="488950">
+          <a:pPr marL="0" lvl="0" indent="0" algn="ctr" defTabSz="1022350">
             <a:lnSpc>
               <a:spcPct val="90000"/>
             </a:lnSpc>
@@ -6281,10 +6458,10 @@
             <a:buNone/>
           </a:pPr>
           <a:r>
-            <a:rPr lang="en-US" sz="1100" kern="1200"/>
+            <a:rPr lang="en-US" sz="2300" kern="1200"/>
             <a:t>SoftDelete</a:t>
           </a:r>
-          <a:endParaRPr lang="en-001" sz="1100" kern="1200"/>
+          <a:endParaRPr lang="en-001" sz="2300" kern="1200"/>
         </a:p>
       </dsp:txBody>
       <dsp:txXfrm>
@@ -6344,12 +6521,12 @@
         <a:fontRef idx="minor"/>
       </dsp:style>
       <dsp:txBody>
-        <a:bodyPr spcFirstLastPara="0" vert="horz" wrap="square" lIns="78232" tIns="13970" rIns="78232" bIns="13970" numCol="1" spcCol="1270" anchor="ctr" anchorCtr="0">
+        <a:bodyPr spcFirstLastPara="0" vert="horz" wrap="square" lIns="163576" tIns="29210" rIns="163576" bIns="29210" numCol="1" spcCol="1270" anchor="ctr" anchorCtr="0">
           <a:noAutofit/>
         </a:bodyPr>
         <a:lstStyle/>
         <a:p>
-          <a:pPr marL="0" lvl="0" indent="0" algn="ctr" defTabSz="488950">
+          <a:pPr marL="0" lvl="0" indent="0" algn="ctr" defTabSz="1022350">
             <a:lnSpc>
               <a:spcPct val="90000"/>
             </a:lnSpc>
@@ -6362,10 +6539,10 @@
             <a:buNone/>
           </a:pPr>
           <a:r>
-            <a:rPr lang="en-US" sz="1100" kern="1200"/>
+            <a:rPr lang="en-US" sz="2300" kern="1200"/>
             <a:t>Restore</a:t>
           </a:r>
-          <a:endParaRPr lang="en-001" sz="1100" kern="1200"/>
+          <a:endParaRPr lang="en-001" sz="2300" kern="1200"/>
         </a:p>
       </dsp:txBody>
       <dsp:txXfrm>
@@ -6441,10 +6618,58 @@
             <a:buNone/>
           </a:pPr>
           <a:r>
-            <a:rPr lang="en-US" sz="2300" kern="1200"/>
-            <a:t>BaseService&lt;TEntity&gt; : IService&lt;TEntity&gt;</a:t>
+            <a:rPr lang="en-US" sz="2300" kern="1200" dirty="0" err="1">
+              <a:solidFill>
+                <a:srgbClr val="FFFF00"/>
+              </a:solidFill>
+            </a:rPr>
+            <a:t>BaseService</a:t>
           </a:r>
-          <a:endParaRPr lang="en-001" sz="2300" kern="1200"/>
+          <a:r>
+            <a:rPr lang="en-US" sz="2300" kern="1200" dirty="0">
+              <a:solidFill>
+                <a:srgbClr val="FFFF00"/>
+              </a:solidFill>
+            </a:rPr>
+            <a:t>&lt;</a:t>
+          </a:r>
+          <a:r>
+            <a:rPr lang="en-US" sz="2300" kern="1200" dirty="0" err="1">
+              <a:solidFill>
+                <a:srgbClr val="FFFF00"/>
+              </a:solidFill>
+            </a:rPr>
+            <a:t>TEntity</a:t>
+          </a:r>
+          <a:r>
+            <a:rPr lang="en-US" sz="2300" kern="1200" dirty="0">
+              <a:solidFill>
+                <a:srgbClr val="FFFF00"/>
+              </a:solidFill>
+            </a:rPr>
+            <a:t>&gt;</a:t>
+          </a:r>
+          <a:r>
+            <a:rPr lang="en-US" sz="2300" kern="1200" dirty="0"/>
+            <a:t> : </a:t>
+          </a:r>
+          <a:r>
+            <a:rPr lang="en-US" sz="2300" kern="1200" dirty="0" err="1"/>
+            <a:t>IService</a:t>
+          </a:r>
+          <a:r>
+            <a:rPr lang="en-US" sz="2300" kern="1200" dirty="0"/>
+            <a:t>&lt;</a:t>
+          </a:r>
+          <a:r>
+            <a:rPr lang="en-US" sz="2300" kern="1200" dirty="0" err="1"/>
+            <a:t>TEntity</a:t>
+          </a:r>
+          <a:r>
+            <a:rPr lang="en-US" sz="2300" kern="1200" dirty="0"/>
+            <a:t>&gt;</a:t>
+          </a:r>
+          <a:endParaRPr lang="en-001" sz="2300" kern="1200" dirty="0"/>
         </a:p>
       </dsp:txBody>
       <dsp:txXfrm rot="-10800000">
@@ -6460,7 +6685,7 @@
       <dsp:spPr>
         <a:xfrm>
           <a:off x="1464" y="2530678"/>
-          <a:ext cx="1332488" cy="563960"/>
+          <a:ext cx="1713199" cy="563960"/>
         </a:xfrm>
         <a:prstGeom prst="rect">
           <a:avLst/>
@@ -6504,12 +6729,12 @@
         <a:fontRef idx="minor"/>
       </dsp:style>
       <dsp:txBody>
-        <a:bodyPr spcFirstLastPara="0" vert="horz" wrap="square" lIns="78232" tIns="13970" rIns="78232" bIns="13970" numCol="1" spcCol="1270" anchor="ctr" anchorCtr="0">
+        <a:bodyPr spcFirstLastPara="0" vert="horz" wrap="square" lIns="163576" tIns="29210" rIns="163576" bIns="29210" numCol="1" spcCol="1270" anchor="ctr" anchorCtr="0">
           <a:noAutofit/>
         </a:bodyPr>
         <a:lstStyle/>
         <a:p>
-          <a:pPr marL="0" lvl="0" indent="0" algn="ctr" defTabSz="488950">
+          <a:pPr marL="0" lvl="0" indent="0" algn="ctr" defTabSz="1022350">
             <a:lnSpc>
               <a:spcPct val="90000"/>
             </a:lnSpc>
@@ -6522,15 +6747,15 @@
             <a:buNone/>
           </a:pPr>
           <a:r>
-            <a:rPr lang="en-US" sz="1100" kern="1200"/>
+            <a:rPr lang="en-US" sz="2300" kern="1200"/>
             <a:t>Query</a:t>
           </a:r>
-          <a:endParaRPr lang="en-001" sz="1100" kern="1200"/>
+          <a:endParaRPr lang="en-001" sz="2300" kern="1200"/>
         </a:p>
       </dsp:txBody>
       <dsp:txXfrm>
         <a:off x="1464" y="2530678"/>
-        <a:ext cx="1332488" cy="563960"/>
+        <a:ext cx="1713199" cy="563960"/>
       </dsp:txXfrm>
     </dsp:sp>
     <dsp:sp modelId="{32CA8105-46E5-4D6C-98C8-9B9242797B30}">
@@ -6540,8 +6765,8 @@
       </dsp:nvSpPr>
       <dsp:spPr>
         <a:xfrm>
-          <a:off x="1333952" y="2530678"/>
-          <a:ext cx="1332488" cy="563960"/>
+          <a:off x="1714663" y="2530678"/>
+          <a:ext cx="1713199" cy="563960"/>
         </a:xfrm>
         <a:prstGeom prst="rect">
           <a:avLst/>
@@ -6585,12 +6810,12 @@
         <a:fontRef idx="minor"/>
       </dsp:style>
       <dsp:txBody>
-        <a:bodyPr spcFirstLastPara="0" vert="horz" wrap="square" lIns="78232" tIns="13970" rIns="78232" bIns="13970" numCol="1" spcCol="1270" anchor="ctr" anchorCtr="0">
+        <a:bodyPr spcFirstLastPara="0" vert="horz" wrap="square" lIns="163576" tIns="29210" rIns="163576" bIns="29210" numCol="1" spcCol="1270" anchor="ctr" anchorCtr="0">
           <a:noAutofit/>
         </a:bodyPr>
         <a:lstStyle/>
         <a:p>
-          <a:pPr marL="0" lvl="0" indent="0" algn="ctr" defTabSz="488950">
+          <a:pPr marL="0" lvl="0" indent="0" algn="ctr" defTabSz="1022350">
             <a:lnSpc>
               <a:spcPct val="90000"/>
             </a:lnSpc>
@@ -6603,26 +6828,26 @@
             <a:buNone/>
           </a:pPr>
           <a:r>
-            <a:rPr lang="en-US" sz="1100" kern="1200"/>
+            <a:rPr lang="en-US" sz="2300" kern="1200"/>
             <a:t>Create</a:t>
           </a:r>
-          <a:endParaRPr lang="en-001" sz="1100" kern="1200"/>
+          <a:endParaRPr lang="en-001" sz="2300" kern="1200"/>
         </a:p>
       </dsp:txBody>
       <dsp:txXfrm>
-        <a:off x="1333952" y="2530678"/>
-        <a:ext cx="1332488" cy="563960"/>
+        <a:off x="1714663" y="2530678"/>
+        <a:ext cx="1713199" cy="563960"/>
       </dsp:txXfrm>
     </dsp:sp>
-    <dsp:sp modelId="{6EBA0152-27B8-4537-827F-CA660E519533}">
+    <dsp:sp modelId="{6407DBD4-527E-464F-86C6-4A49EC21E0BF}">
       <dsp:nvSpPr>
         <dsp:cNvPr id="0" name=""/>
         <dsp:cNvSpPr/>
       </dsp:nvSpPr>
       <dsp:spPr>
         <a:xfrm>
-          <a:off x="2666441" y="2530678"/>
-          <a:ext cx="1332488" cy="563960"/>
+          <a:off x="3427862" y="2530678"/>
+          <a:ext cx="1713199" cy="563960"/>
         </a:xfrm>
         <a:prstGeom prst="rect">
           <a:avLst/>
@@ -6666,12 +6891,12 @@
         <a:fontRef idx="minor"/>
       </dsp:style>
       <dsp:txBody>
-        <a:bodyPr spcFirstLastPara="0" vert="horz" wrap="square" lIns="78232" tIns="13970" rIns="78232" bIns="13970" numCol="1" spcCol="1270" anchor="ctr" anchorCtr="0">
+        <a:bodyPr spcFirstLastPara="0" vert="horz" wrap="square" lIns="163576" tIns="29210" rIns="163576" bIns="29210" numCol="1" spcCol="1270" anchor="ctr" anchorCtr="0">
           <a:noAutofit/>
         </a:bodyPr>
         <a:lstStyle/>
         <a:p>
-          <a:pPr marL="0" lvl="0" indent="0" algn="ctr" defTabSz="488950">
+          <a:pPr marL="0" lvl="0" indent="0" algn="ctr" defTabSz="1022350">
             <a:lnSpc>
               <a:spcPct val="90000"/>
             </a:lnSpc>
@@ -6684,26 +6909,26 @@
             <a:buNone/>
           </a:pPr>
           <a:r>
-            <a:rPr lang="en-US" sz="1100" kern="1200"/>
-            <a:t>CreateWithMapper</a:t>
+            <a:rPr lang="en-US" sz="2300" kern="1200" dirty="0"/>
+            <a:t>Update</a:t>
           </a:r>
-          <a:endParaRPr lang="en-001" sz="1100" kern="1200"/>
+          <a:endParaRPr lang="en-001" sz="2300" kern="1200" dirty="0"/>
         </a:p>
       </dsp:txBody>
       <dsp:txXfrm>
-        <a:off x="2666441" y="2530678"/>
-        <a:ext cx="1332488" cy="563960"/>
+        <a:off x="3427862" y="2530678"/>
+        <a:ext cx="1713199" cy="563960"/>
       </dsp:txXfrm>
     </dsp:sp>
-    <dsp:sp modelId="{9F4BA28D-03A8-4D21-B0AE-BC8A351B0A70}">
+    <dsp:sp modelId="{A072A833-2A74-4FB6-A9FF-9522A5A132BD}">
       <dsp:nvSpPr>
         <dsp:cNvPr id="0" name=""/>
         <dsp:cNvSpPr/>
       </dsp:nvSpPr>
       <dsp:spPr>
         <a:xfrm>
-          <a:off x="3998929" y="2530678"/>
-          <a:ext cx="1332488" cy="563960"/>
+          <a:off x="5141062" y="2530678"/>
+          <a:ext cx="1713199" cy="563960"/>
         </a:xfrm>
         <a:prstGeom prst="rect">
           <a:avLst/>
@@ -6747,12 +6972,12 @@
         <a:fontRef idx="minor"/>
       </dsp:style>
       <dsp:txBody>
-        <a:bodyPr spcFirstLastPara="0" vert="horz" wrap="square" lIns="78232" tIns="13970" rIns="78232" bIns="13970" numCol="1" spcCol="1270" anchor="ctr" anchorCtr="0">
+        <a:bodyPr spcFirstLastPara="0" vert="horz" wrap="square" lIns="163576" tIns="29210" rIns="163576" bIns="29210" numCol="1" spcCol="1270" anchor="ctr" anchorCtr="0">
           <a:noAutofit/>
         </a:bodyPr>
         <a:lstStyle/>
         <a:p>
-          <a:pPr marL="0" lvl="0" indent="0" algn="ctr" defTabSz="488950">
+          <a:pPr marL="0" lvl="0" indent="0" algn="ctr" defTabSz="1022350">
             <a:lnSpc>
               <a:spcPct val="90000"/>
             </a:lnSpc>
@@ -6765,26 +6990,26 @@
             <a:buNone/>
           </a:pPr>
           <a:r>
-            <a:rPr lang="en-US" sz="1100" kern="1200"/>
-            <a:t>Update</a:t>
+            <a:rPr lang="en-US" sz="2300" kern="1200"/>
+            <a:t>HardDelete</a:t>
           </a:r>
-          <a:endParaRPr lang="en-001" sz="1100" kern="1200"/>
+          <a:endParaRPr lang="en-001" sz="2300" kern="1200"/>
         </a:p>
       </dsp:txBody>
       <dsp:txXfrm>
-        <a:off x="3998929" y="2530678"/>
-        <a:ext cx="1332488" cy="563960"/>
+        <a:off x="5141062" y="2530678"/>
+        <a:ext cx="1713199" cy="563960"/>
       </dsp:txXfrm>
     </dsp:sp>
-    <dsp:sp modelId="{0D66FBAF-08BA-4824-91BA-8236B7B8FBE9}">
+    <dsp:sp modelId="{A6B9A42C-17E0-4436-814C-70D325DF0CC3}">
       <dsp:nvSpPr>
         <dsp:cNvPr id="0" name=""/>
         <dsp:cNvSpPr/>
       </dsp:nvSpPr>
       <dsp:spPr>
         <a:xfrm>
-          <a:off x="5331417" y="2530678"/>
-          <a:ext cx="1332488" cy="563960"/>
+          <a:off x="6854261" y="2530678"/>
+          <a:ext cx="1713199" cy="563960"/>
         </a:xfrm>
         <a:prstGeom prst="rect">
           <a:avLst/>
@@ -6828,12 +7053,12 @@
         <a:fontRef idx="minor"/>
       </dsp:style>
       <dsp:txBody>
-        <a:bodyPr spcFirstLastPara="0" vert="horz" wrap="square" lIns="78232" tIns="13970" rIns="78232" bIns="13970" numCol="1" spcCol="1270" anchor="ctr" anchorCtr="0">
+        <a:bodyPr spcFirstLastPara="0" vert="horz" wrap="square" lIns="163576" tIns="29210" rIns="163576" bIns="29210" numCol="1" spcCol="1270" anchor="ctr" anchorCtr="0">
           <a:noAutofit/>
         </a:bodyPr>
         <a:lstStyle/>
         <a:p>
-          <a:pPr marL="0" lvl="0" indent="0" algn="ctr" defTabSz="488950">
+          <a:pPr marL="0" lvl="0" indent="0" algn="ctr" defTabSz="1022350">
             <a:lnSpc>
               <a:spcPct val="90000"/>
             </a:lnSpc>
@@ -6846,26 +7071,26 @@
             <a:buNone/>
           </a:pPr>
           <a:r>
-            <a:rPr lang="en-US" sz="1100" kern="1200"/>
-            <a:t>UpdateWithMapper</a:t>
+            <a:rPr lang="en-US" sz="2300" kern="1200"/>
+            <a:t>Get</a:t>
           </a:r>
-          <a:endParaRPr lang="en-001" sz="1100" kern="1200"/>
+          <a:endParaRPr lang="en-001" sz="2300" kern="1200"/>
         </a:p>
       </dsp:txBody>
       <dsp:txXfrm>
-        <a:off x="5331417" y="2530678"/>
-        <a:ext cx="1332488" cy="563960"/>
+        <a:off x="6854261" y="2530678"/>
+        <a:ext cx="1713199" cy="563960"/>
       </dsp:txXfrm>
     </dsp:sp>
-    <dsp:sp modelId="{A072A833-2A74-4FB6-A9FF-9522A5A132BD}">
+    <dsp:sp modelId="{BB0E34A1-295D-4E37-9DC9-42D5A07258A4}">
       <dsp:nvSpPr>
         <dsp:cNvPr id="0" name=""/>
         <dsp:cNvSpPr/>
       </dsp:nvSpPr>
       <dsp:spPr>
         <a:xfrm>
-          <a:off x="6663906" y="2530678"/>
-          <a:ext cx="1332488" cy="563960"/>
+          <a:off x="8567461" y="2530678"/>
+          <a:ext cx="1713199" cy="563960"/>
         </a:xfrm>
         <a:prstGeom prst="rect">
           <a:avLst/>
@@ -6909,12 +7134,12 @@
         <a:fontRef idx="minor"/>
       </dsp:style>
       <dsp:txBody>
-        <a:bodyPr spcFirstLastPara="0" vert="horz" wrap="square" lIns="78232" tIns="13970" rIns="78232" bIns="13970" numCol="1" spcCol="1270" anchor="ctr" anchorCtr="0">
+        <a:bodyPr spcFirstLastPara="0" vert="horz" wrap="square" lIns="163576" tIns="29210" rIns="163576" bIns="29210" numCol="1" spcCol="1270" anchor="ctr" anchorCtr="0">
           <a:noAutofit/>
         </a:bodyPr>
         <a:lstStyle/>
         <a:p>
-          <a:pPr marL="0" lvl="0" indent="0" algn="ctr" defTabSz="488950">
+          <a:pPr marL="0" lvl="0" indent="0" algn="ctr" defTabSz="1022350">
             <a:lnSpc>
               <a:spcPct val="90000"/>
             </a:lnSpc>
@@ -6927,26 +7152,26 @@
             <a:buNone/>
           </a:pPr>
           <a:r>
-            <a:rPr lang="en-US" sz="1100" kern="1200"/>
-            <a:t>HardDelete</a:t>
+            <a:rPr lang="en-US" sz="2300" kern="1200"/>
+            <a:t>GetList</a:t>
           </a:r>
-          <a:endParaRPr lang="en-001" sz="1100" kern="1200"/>
+          <a:endParaRPr lang="en-001" sz="2300" kern="1200"/>
         </a:p>
       </dsp:txBody>
       <dsp:txXfrm>
-        <a:off x="6663906" y="2530678"/>
-        <a:ext cx="1332488" cy="563960"/>
+        <a:off x="8567461" y="2530678"/>
+        <a:ext cx="1713199" cy="563960"/>
       </dsp:txXfrm>
     </dsp:sp>
-    <dsp:sp modelId="{A6B9A42C-17E0-4436-814C-70D325DF0CC3}">
+    <dsp:sp modelId="{1C2E0697-FBD9-43A9-B83D-82EAE1C69DD1}">
       <dsp:nvSpPr>
         <dsp:cNvPr id="0" name=""/>
         <dsp:cNvSpPr/>
       </dsp:nvSpPr>
       <dsp:spPr>
         <a:xfrm>
-          <a:off x="7996394" y="2530678"/>
-          <a:ext cx="1332488" cy="563960"/>
+          <a:off x="10280660" y="2530678"/>
+          <a:ext cx="1713199" cy="563960"/>
         </a:xfrm>
         <a:prstGeom prst="rect">
           <a:avLst/>
@@ -6990,12 +7215,12 @@
         <a:fontRef idx="minor"/>
       </dsp:style>
       <dsp:txBody>
-        <a:bodyPr spcFirstLastPara="0" vert="horz" wrap="square" lIns="78232" tIns="13970" rIns="78232" bIns="13970" numCol="1" spcCol="1270" anchor="ctr" anchorCtr="0">
+        <a:bodyPr spcFirstLastPara="0" vert="horz" wrap="square" lIns="163576" tIns="29210" rIns="163576" bIns="29210" numCol="1" spcCol="1270" anchor="ctr" anchorCtr="0">
           <a:noAutofit/>
         </a:bodyPr>
         <a:lstStyle/>
         <a:p>
-          <a:pPr marL="0" lvl="0" indent="0" algn="ctr" defTabSz="488950">
+          <a:pPr marL="0" lvl="0" indent="0" algn="ctr" defTabSz="1022350">
             <a:lnSpc>
               <a:spcPct val="90000"/>
             </a:lnSpc>
@@ -7008,177 +7233,15 @@
             <a:buNone/>
           </a:pPr>
           <a:r>
-            <a:rPr lang="en-US" sz="1100" kern="1200"/>
-            <a:t>Get</a:t>
+            <a:rPr lang="en-US" sz="2300" kern="1200"/>
+            <a:t>GetPage</a:t>
           </a:r>
-          <a:endParaRPr lang="en-001" sz="1100" kern="1200"/>
+          <a:endParaRPr lang="en-001" sz="2300" kern="1200"/>
         </a:p>
       </dsp:txBody>
       <dsp:txXfrm>
-        <a:off x="7996394" y="2530678"/>
-        <a:ext cx="1332488" cy="563960"/>
-      </dsp:txXfrm>
-    </dsp:sp>
-    <dsp:sp modelId="{BB0E34A1-295D-4E37-9DC9-42D5A07258A4}">
-      <dsp:nvSpPr>
-        <dsp:cNvPr id="0" name=""/>
-        <dsp:cNvSpPr/>
-      </dsp:nvSpPr>
-      <dsp:spPr>
-        <a:xfrm>
-          <a:off x="9328882" y="2530678"/>
-          <a:ext cx="1332488" cy="563960"/>
-        </a:xfrm>
-        <a:prstGeom prst="rect">
-          <a:avLst/>
-        </a:prstGeom>
-        <a:solidFill>
-          <a:schemeClr val="accent1">
-            <a:alpha val="90000"/>
-            <a:tint val="40000"/>
-            <a:hueOff val="0"/>
-            <a:satOff val="0"/>
-            <a:lumOff val="0"/>
-            <a:alphaOff val="0"/>
-          </a:schemeClr>
-        </a:solidFill>
-        <a:ln w="12700" cap="flat" cmpd="sng" algn="ctr">
-          <a:solidFill>
-            <a:schemeClr val="accent1">
-              <a:alpha val="90000"/>
-              <a:tint val="40000"/>
-              <a:hueOff val="0"/>
-              <a:satOff val="0"/>
-              <a:lumOff val="0"/>
-              <a:alphaOff val="0"/>
-            </a:schemeClr>
-          </a:solidFill>
-          <a:prstDash val="solid"/>
-          <a:miter lim="800000"/>
-        </a:ln>
-        <a:effectLst/>
-      </dsp:spPr>
-      <dsp:style>
-        <a:lnRef idx="2">
-          <a:scrgbClr r="0" g="0" b="0"/>
-        </a:lnRef>
-        <a:fillRef idx="1">
-          <a:scrgbClr r="0" g="0" b="0"/>
-        </a:fillRef>
-        <a:effectRef idx="0">
-          <a:scrgbClr r="0" g="0" b="0"/>
-        </a:effectRef>
-        <a:fontRef idx="minor"/>
-      </dsp:style>
-      <dsp:txBody>
-        <a:bodyPr spcFirstLastPara="0" vert="horz" wrap="square" lIns="78232" tIns="13970" rIns="78232" bIns="13970" numCol="1" spcCol="1270" anchor="ctr" anchorCtr="0">
-          <a:noAutofit/>
-        </a:bodyPr>
-        <a:lstStyle/>
-        <a:p>
-          <a:pPr marL="0" lvl="0" indent="0" algn="ctr" defTabSz="488950">
-            <a:lnSpc>
-              <a:spcPct val="90000"/>
-            </a:lnSpc>
-            <a:spcBef>
-              <a:spcPct val="0"/>
-            </a:spcBef>
-            <a:spcAft>
-              <a:spcPct val="35000"/>
-            </a:spcAft>
-            <a:buNone/>
-          </a:pPr>
-          <a:r>
-            <a:rPr lang="en-US" sz="1100" kern="1200"/>
-            <a:t>GetList</a:t>
-          </a:r>
-          <a:endParaRPr lang="en-001" sz="1100" kern="1200"/>
-        </a:p>
-      </dsp:txBody>
-      <dsp:txXfrm>
-        <a:off x="9328882" y="2530678"/>
-        <a:ext cx="1332488" cy="563960"/>
-      </dsp:txXfrm>
-    </dsp:sp>
-    <dsp:sp modelId="{1C2E0697-FBD9-43A9-B83D-82EAE1C69DD1}">
-      <dsp:nvSpPr>
-        <dsp:cNvPr id="0" name=""/>
-        <dsp:cNvSpPr/>
-      </dsp:nvSpPr>
-      <dsp:spPr>
-        <a:xfrm>
-          <a:off x="10661371" y="2530678"/>
-          <a:ext cx="1332488" cy="563960"/>
-        </a:xfrm>
-        <a:prstGeom prst="rect">
-          <a:avLst/>
-        </a:prstGeom>
-        <a:solidFill>
-          <a:schemeClr val="accent1">
-            <a:alpha val="90000"/>
-            <a:tint val="40000"/>
-            <a:hueOff val="0"/>
-            <a:satOff val="0"/>
-            <a:lumOff val="0"/>
-            <a:alphaOff val="0"/>
-          </a:schemeClr>
-        </a:solidFill>
-        <a:ln w="12700" cap="flat" cmpd="sng" algn="ctr">
-          <a:solidFill>
-            <a:schemeClr val="accent1">
-              <a:alpha val="90000"/>
-              <a:tint val="40000"/>
-              <a:hueOff val="0"/>
-              <a:satOff val="0"/>
-              <a:lumOff val="0"/>
-              <a:alphaOff val="0"/>
-            </a:schemeClr>
-          </a:solidFill>
-          <a:prstDash val="solid"/>
-          <a:miter lim="800000"/>
-        </a:ln>
-        <a:effectLst/>
-      </dsp:spPr>
-      <dsp:style>
-        <a:lnRef idx="2">
-          <a:scrgbClr r="0" g="0" b="0"/>
-        </a:lnRef>
-        <a:fillRef idx="1">
-          <a:scrgbClr r="0" g="0" b="0"/>
-        </a:fillRef>
-        <a:effectRef idx="0">
-          <a:scrgbClr r="0" g="0" b="0"/>
-        </a:effectRef>
-        <a:fontRef idx="minor"/>
-      </dsp:style>
-      <dsp:txBody>
-        <a:bodyPr spcFirstLastPara="0" vert="horz" wrap="square" lIns="78232" tIns="13970" rIns="78232" bIns="13970" numCol="1" spcCol="1270" anchor="ctr" anchorCtr="0">
-          <a:noAutofit/>
-        </a:bodyPr>
-        <a:lstStyle/>
-        <a:p>
-          <a:pPr marL="0" lvl="0" indent="0" algn="ctr" defTabSz="488950">
-            <a:lnSpc>
-              <a:spcPct val="90000"/>
-            </a:lnSpc>
-            <a:spcBef>
-              <a:spcPct val="0"/>
-            </a:spcBef>
-            <a:spcAft>
-              <a:spcPct val="35000"/>
-            </a:spcAft>
-            <a:buNone/>
-          </a:pPr>
-          <a:r>
-            <a:rPr lang="en-US" sz="1100" kern="1200"/>
-            <a:t>GetPage</a:t>
-          </a:r>
-          <a:endParaRPr lang="en-001" sz="1100" kern="1200"/>
-        </a:p>
-      </dsp:txBody>
-      <dsp:txXfrm>
-        <a:off x="10661371" y="2530678"/>
-        <a:ext cx="1332488" cy="563960"/>
+        <a:off x="10280660" y="2530678"/>
+        <a:ext cx="1713199" cy="563960"/>
       </dsp:txXfrm>
     </dsp:sp>
     <dsp:sp modelId="{7DC7FBFC-0B92-4D17-B517-DDE27E93F11F}">
@@ -7249,10 +7312,22 @@
             <a:buNone/>
           </a:pPr>
           <a:r>
-            <a:rPr lang="en-US" sz="2300" kern="1200"/>
-            <a:t>BaseService : IService</a:t>
+            <a:rPr lang="en-US" sz="2300" kern="1200" dirty="0" err="1">
+              <a:solidFill>
+                <a:srgbClr val="FFFF00"/>
+              </a:solidFill>
+            </a:rPr>
+            <a:t>BaseService</a:t>
           </a:r>
-          <a:endParaRPr lang="en-001" sz="2300" kern="1200"/>
+          <a:r>
+            <a:rPr lang="en-US" sz="2300" kern="1200" dirty="0"/>
+            <a:t> : </a:t>
+          </a:r>
+          <a:r>
+            <a:rPr lang="en-US" sz="2300" kern="1200" dirty="0" err="1"/>
+            <a:t>IService</a:t>
+          </a:r>
+          <a:endParaRPr lang="en-001" sz="2300" kern="1200" dirty="0"/>
         </a:p>
       </dsp:txBody>
       <dsp:txXfrm rot="-10800000">
@@ -7312,12 +7387,12 @@
         <a:fontRef idx="minor"/>
       </dsp:style>
       <dsp:txBody>
-        <a:bodyPr spcFirstLastPara="0" vert="horz" wrap="square" lIns="78232" tIns="13970" rIns="78232" bIns="13970" numCol="1" spcCol="1270" anchor="ctr" anchorCtr="0">
+        <a:bodyPr spcFirstLastPara="0" vert="horz" wrap="square" lIns="163576" tIns="29210" rIns="163576" bIns="29210" numCol="1" spcCol="1270" anchor="ctr" anchorCtr="0">
           <a:noAutofit/>
         </a:bodyPr>
         <a:lstStyle/>
         <a:p>
-          <a:pPr marL="0" lvl="0" indent="0" algn="ctr" defTabSz="488950">
+          <a:pPr marL="0" lvl="0" indent="0" algn="ctr" defTabSz="1022350">
             <a:lnSpc>
               <a:spcPct val="90000"/>
             </a:lnSpc>
@@ -7330,10 +7405,10 @@
             <a:buNone/>
           </a:pPr>
           <a:r>
-            <a:rPr lang="en-US" sz="1100" kern="1200"/>
+            <a:rPr lang="en-US" sz="2300" kern="1200"/>
             <a:t>Configuration</a:t>
           </a:r>
-          <a:endParaRPr lang="en-001" sz="1100" kern="1200"/>
+          <a:endParaRPr lang="en-001" sz="2300" kern="1200"/>
         </a:p>
       </dsp:txBody>
       <dsp:txXfrm>
@@ -7393,12 +7468,12 @@
         <a:fontRef idx="minor"/>
       </dsp:style>
       <dsp:txBody>
-        <a:bodyPr spcFirstLastPara="0" vert="horz" wrap="square" lIns="78232" tIns="13970" rIns="78232" bIns="13970" numCol="1" spcCol="1270" anchor="ctr" anchorCtr="0">
+        <a:bodyPr spcFirstLastPara="0" vert="horz" wrap="square" lIns="163576" tIns="29210" rIns="163576" bIns="29210" numCol="1" spcCol="1270" anchor="ctr" anchorCtr="0">
           <a:noAutofit/>
         </a:bodyPr>
         <a:lstStyle/>
         <a:p>
-          <a:pPr marL="0" lvl="0" indent="0" algn="ctr" defTabSz="488950">
+          <a:pPr marL="0" lvl="0" indent="0" algn="ctr" defTabSz="1022350">
             <a:lnSpc>
               <a:spcPct val="90000"/>
             </a:lnSpc>
@@ -7411,10 +7486,10 @@
             <a:buNone/>
           </a:pPr>
           <a:r>
-            <a:rPr lang="en-US" sz="1100" kern="1200"/>
+            <a:rPr lang="en-US" sz="2300" kern="1200"/>
             <a:t>Mapper</a:t>
           </a:r>
-          <a:endParaRPr lang="en-001" sz="1100" kern="1200"/>
+          <a:endParaRPr lang="en-001" sz="2300" kern="1200"/>
         </a:p>
       </dsp:txBody>
       <dsp:txXfrm>
@@ -7474,12 +7549,12 @@
         <a:fontRef idx="minor"/>
       </dsp:style>
       <dsp:txBody>
-        <a:bodyPr spcFirstLastPara="0" vert="horz" wrap="square" lIns="78232" tIns="13970" rIns="78232" bIns="13970" numCol="1" spcCol="1270" anchor="ctr" anchorCtr="0">
+        <a:bodyPr spcFirstLastPara="0" vert="horz" wrap="square" lIns="163576" tIns="29210" rIns="163576" bIns="29210" numCol="1" spcCol="1270" anchor="ctr" anchorCtr="0">
           <a:noAutofit/>
         </a:bodyPr>
         <a:lstStyle/>
         <a:p>
-          <a:pPr marL="0" lvl="0" indent="0" algn="ctr" defTabSz="488950">
+          <a:pPr marL="0" lvl="0" indent="0" algn="ctr" defTabSz="1022350">
             <a:lnSpc>
               <a:spcPct val="90000"/>
             </a:lnSpc>
@@ -7492,10 +7567,10 @@
             <a:buNone/>
           </a:pPr>
           <a:r>
-            <a:rPr lang="en-US" sz="1100" kern="1200"/>
+            <a:rPr lang="en-US" sz="2300" kern="1200"/>
             <a:t>HttpContextAccessor</a:t>
           </a:r>
-          <a:endParaRPr lang="en-001" sz="1100" kern="1200"/>
+          <a:endParaRPr lang="en-001" sz="2300" kern="1200"/>
         </a:p>
       </dsp:txBody>
       <dsp:txXfrm>
@@ -8071,8 +8146,8 @@
       </dsp:nvSpPr>
       <dsp:spPr>
         <a:xfrm>
-          <a:off x="3748" y="68952"/>
-          <a:ext cx="3654825" cy="950400"/>
+          <a:off x="3748" y="17971"/>
+          <a:ext cx="3654825" cy="1209600"/>
         </a:xfrm>
         <a:prstGeom prst="rect">
           <a:avLst/>
@@ -8114,12 +8189,12 @@
         </a:fontRef>
       </dsp:style>
       <dsp:txBody>
-        <a:bodyPr spcFirstLastPara="0" vert="horz" wrap="square" lIns="234696" tIns="134112" rIns="234696" bIns="134112" numCol="1" spcCol="1270" anchor="ctr" anchorCtr="0">
+        <a:bodyPr spcFirstLastPara="0" vert="horz" wrap="square" lIns="298704" tIns="170688" rIns="298704" bIns="170688" numCol="1" spcCol="1270" anchor="ctr" anchorCtr="0">
           <a:noAutofit/>
         </a:bodyPr>
         <a:lstStyle/>
         <a:p>
-          <a:pPr marL="0" lvl="0" indent="0" algn="ctr" defTabSz="1466850">
+          <a:pPr marL="0" lvl="0" indent="0" algn="ctr" defTabSz="1866900">
             <a:lnSpc>
               <a:spcPct val="90000"/>
             </a:lnSpc>
@@ -8132,15 +8207,15 @@
             <a:buNone/>
           </a:pPr>
           <a:r>
-            <a:rPr lang="en-US" sz="3300" kern="1200"/>
+            <a:rPr lang="en-US" sz="4200" kern="1200"/>
             <a:t>2xx</a:t>
           </a:r>
-          <a:endParaRPr lang="en-001" sz="3300" kern="1200"/>
+          <a:endParaRPr lang="en-001" sz="4200" kern="1200"/>
         </a:p>
       </dsp:txBody>
       <dsp:txXfrm>
-        <a:off x="3748" y="68952"/>
-        <a:ext cx="3654825" cy="950400"/>
+        <a:off x="3748" y="17971"/>
+        <a:ext cx="3654825" cy="1209600"/>
       </dsp:txXfrm>
     </dsp:sp>
     <dsp:sp modelId="{8C3CEC94-6EEF-4C1C-8DEE-EDB0588B2CE6}">
@@ -8150,8 +8225,8 @@
       </dsp:nvSpPr>
       <dsp:spPr>
         <a:xfrm>
-          <a:off x="3748" y="1019352"/>
-          <a:ext cx="3654825" cy="3875339"/>
+          <a:off x="3748" y="1227571"/>
+          <a:ext cx="3654825" cy="3718102"/>
         </a:xfrm>
         <a:prstGeom prst="rect">
           <a:avLst/>
@@ -8195,12 +8270,12 @@
         <a:fontRef idx="minor"/>
       </dsp:style>
       <dsp:txBody>
-        <a:bodyPr spcFirstLastPara="0" vert="horz" wrap="square" lIns="176022" tIns="176022" rIns="234696" bIns="264033" numCol="1" spcCol="1270" anchor="t" anchorCtr="0">
+        <a:bodyPr spcFirstLastPara="0" vert="horz" wrap="square" lIns="170688" tIns="170688" rIns="227584" bIns="256032" numCol="1" spcCol="1270" anchor="t" anchorCtr="0">
           <a:noAutofit/>
         </a:bodyPr>
         <a:lstStyle/>
         <a:p>
-          <a:pPr marL="285750" lvl="1" indent="-285750" algn="l" defTabSz="1466850">
+          <a:pPr marL="285750" lvl="1" indent="-285750" algn="l" defTabSz="1422400">
             <a:lnSpc>
               <a:spcPct val="90000"/>
             </a:lnSpc>
@@ -8213,13 +8288,13 @@
             <a:buChar char="•"/>
           </a:pPr>
           <a:r>
-            <a:rPr lang="en-US" sz="3300" kern="1200"/>
+            <a:rPr lang="en-US" sz="3200" kern="1200"/>
             <a:t>Xử lý thành công</a:t>
           </a:r>
-          <a:endParaRPr lang="en-001" sz="3300" kern="1200"/>
+          <a:endParaRPr lang="en-001" sz="3200" kern="1200"/>
         </a:p>
         <a:p>
-          <a:pPr marL="285750" lvl="1" indent="-285750" algn="l" defTabSz="1466850">
+          <a:pPr marL="285750" lvl="1" indent="-285750" algn="l" defTabSz="1422400">
             <a:lnSpc>
               <a:spcPct val="90000"/>
             </a:lnSpc>
@@ -8232,15 +8307,47 @@
             <a:buChar char="•"/>
           </a:pPr>
           <a:r>
-            <a:rPr lang="en-US" sz="3300" kern="1200"/>
-            <a:t>App và Web Browser sẽ không hiển thị exception ở client</a:t>
+            <a:rPr lang="en-US" sz="3200" kern="1200" dirty="0"/>
+            <a:t>App và Web Browser </a:t>
           </a:r>
-          <a:endParaRPr lang="en-001" sz="3300" kern="1200"/>
+          <a:r>
+            <a:rPr lang="en-US" sz="3200" kern="1200" dirty="0" err="1"/>
+            <a:t>sẽ</a:t>
+          </a:r>
+          <a:r>
+            <a:rPr lang="en-US" sz="3200" kern="1200" dirty="0"/>
+            <a:t> </a:t>
+          </a:r>
+          <a:r>
+            <a:rPr lang="en-US" sz="3200" kern="1200" dirty="0" err="1"/>
+            <a:t>không</a:t>
+          </a:r>
+          <a:r>
+            <a:rPr lang="en-US" sz="3200" kern="1200" dirty="0"/>
+            <a:t> </a:t>
+          </a:r>
+          <a:r>
+            <a:rPr lang="en-US" sz="3200" kern="1200" dirty="0" err="1"/>
+            <a:t>hiển</a:t>
+          </a:r>
+          <a:r>
+            <a:rPr lang="en-US" sz="3200" kern="1200" dirty="0"/>
+            <a:t> </a:t>
+          </a:r>
+          <a:r>
+            <a:rPr lang="en-US" sz="3200" kern="1200" dirty="0" err="1"/>
+            <a:t>thị</a:t>
+          </a:r>
+          <a:r>
+            <a:rPr lang="en-US" sz="3200" kern="1200" dirty="0"/>
+            <a:t> exception ở client</a:t>
+          </a:r>
+          <a:endParaRPr lang="en-001" sz="3200" kern="1200" dirty="0"/>
         </a:p>
       </dsp:txBody>
       <dsp:txXfrm>
-        <a:off x="3748" y="1019352"/>
-        <a:ext cx="3654825" cy="3875339"/>
+        <a:off x="3748" y="1227571"/>
+        <a:ext cx="3654825" cy="3718102"/>
       </dsp:txXfrm>
     </dsp:sp>
     <dsp:sp modelId="{DABBBF1B-C924-4987-8AE7-6C97F6FA751C}">
@@ -8250,8 +8357,8 @@
       </dsp:nvSpPr>
       <dsp:spPr>
         <a:xfrm>
-          <a:off x="4170249" y="68952"/>
-          <a:ext cx="3654825" cy="950400"/>
+          <a:off x="4170249" y="17971"/>
+          <a:ext cx="3654825" cy="1209600"/>
         </a:xfrm>
         <a:prstGeom prst="rect">
           <a:avLst/>
@@ -8293,12 +8400,12 @@
         </a:fontRef>
       </dsp:style>
       <dsp:txBody>
-        <a:bodyPr spcFirstLastPara="0" vert="horz" wrap="square" lIns="234696" tIns="134112" rIns="234696" bIns="134112" numCol="1" spcCol="1270" anchor="ctr" anchorCtr="0">
+        <a:bodyPr spcFirstLastPara="0" vert="horz" wrap="square" lIns="298704" tIns="170688" rIns="298704" bIns="170688" numCol="1" spcCol="1270" anchor="ctr" anchorCtr="0">
           <a:noAutofit/>
         </a:bodyPr>
         <a:lstStyle/>
         <a:p>
-          <a:pPr marL="0" lvl="0" indent="0" algn="ctr" defTabSz="1466850">
+          <a:pPr marL="0" lvl="0" indent="0" algn="ctr" defTabSz="1866900">
             <a:lnSpc>
               <a:spcPct val="90000"/>
             </a:lnSpc>
@@ -8311,15 +8418,15 @@
             <a:buNone/>
           </a:pPr>
           <a:r>
-            <a:rPr lang="en-US" sz="3300" kern="1200"/>
+            <a:rPr lang="en-US" sz="4200" kern="1200"/>
             <a:t>4xx</a:t>
           </a:r>
-          <a:endParaRPr lang="en-001" sz="3300" kern="1200"/>
+          <a:endParaRPr lang="en-001" sz="4200" kern="1200"/>
         </a:p>
       </dsp:txBody>
       <dsp:txXfrm>
-        <a:off x="4170249" y="68952"/>
-        <a:ext cx="3654825" cy="950400"/>
+        <a:off x="4170249" y="17971"/>
+        <a:ext cx="3654825" cy="1209600"/>
       </dsp:txXfrm>
     </dsp:sp>
     <dsp:sp modelId="{69B981DE-61B1-4DFC-8085-E13D48D9EC86}">
@@ -8329,8 +8436,8 @@
       </dsp:nvSpPr>
       <dsp:spPr>
         <a:xfrm>
-          <a:off x="4170249" y="1019352"/>
-          <a:ext cx="3654825" cy="3875339"/>
+          <a:off x="4170249" y="1227571"/>
+          <a:ext cx="3654825" cy="3718102"/>
         </a:xfrm>
         <a:prstGeom prst="rect">
           <a:avLst/>
@@ -8374,12 +8481,12 @@
         <a:fontRef idx="minor"/>
       </dsp:style>
       <dsp:txBody>
-        <a:bodyPr spcFirstLastPara="0" vert="horz" wrap="square" lIns="176022" tIns="176022" rIns="234696" bIns="264033" numCol="1" spcCol="1270" anchor="t" anchorCtr="0">
+        <a:bodyPr spcFirstLastPara="0" vert="horz" wrap="square" lIns="170688" tIns="170688" rIns="227584" bIns="256032" numCol="1" spcCol="1270" anchor="t" anchorCtr="0">
           <a:noAutofit/>
         </a:bodyPr>
         <a:lstStyle/>
         <a:p>
-          <a:pPr marL="285750" lvl="1" indent="-285750" algn="l" defTabSz="1466850">
+          <a:pPr marL="285750" lvl="1" indent="-285750" algn="l" defTabSz="1422400">
             <a:lnSpc>
               <a:spcPct val="90000"/>
             </a:lnSpc>
@@ -8392,13 +8499,13 @@
             <a:buChar char="•"/>
           </a:pPr>
           <a:r>
-            <a:rPr lang="en-US" sz="3300" kern="1200"/>
+            <a:rPr lang="en-US" sz="3200" kern="1200"/>
             <a:t>Lỗi do phía client</a:t>
           </a:r>
-          <a:endParaRPr lang="en-001" sz="3300" kern="1200"/>
+          <a:endParaRPr lang="en-001" sz="3200" kern="1200"/>
         </a:p>
         <a:p>
-          <a:pPr marL="285750" lvl="1" indent="-285750" algn="l" defTabSz="1466850">
+          <a:pPr marL="285750" lvl="1" indent="-285750" algn="l" defTabSz="1422400">
             <a:lnSpc>
               <a:spcPct val="90000"/>
             </a:lnSpc>
@@ -8411,13 +8518,37 @@
             <a:buChar char="•"/>
           </a:pPr>
           <a:r>
-            <a:rPr lang="en-US" sz="3300" kern="1200"/>
-            <a:t>App và Web Browser sẽ hiển thị exception ở client</a:t>
+            <a:rPr lang="en-US" sz="3200" kern="1200" dirty="0"/>
+            <a:t>App và Web Browser </a:t>
           </a:r>
-          <a:endParaRPr lang="en-001" sz="3300" kern="1200"/>
+          <a:r>
+            <a:rPr lang="en-US" sz="3200" kern="1200" dirty="0" err="1"/>
+            <a:t>sẽ</a:t>
+          </a:r>
+          <a:r>
+            <a:rPr lang="en-US" sz="3200" kern="1200" dirty="0"/>
+            <a:t> </a:t>
+          </a:r>
+          <a:r>
+            <a:rPr lang="en-US" sz="3200" kern="1200" dirty="0" err="1"/>
+            <a:t>hiển</a:t>
+          </a:r>
+          <a:r>
+            <a:rPr lang="en-US" sz="3200" kern="1200" dirty="0"/>
+            <a:t> </a:t>
+          </a:r>
+          <a:r>
+            <a:rPr lang="en-US" sz="3200" kern="1200" dirty="0" err="1"/>
+            <a:t>thị</a:t>
+          </a:r>
+          <a:r>
+            <a:rPr lang="en-US" sz="3200" kern="1200" dirty="0"/>
+            <a:t> exception ở client</a:t>
+          </a:r>
+          <a:endParaRPr lang="en-001" sz="3200" kern="1200" dirty="0"/>
         </a:p>
         <a:p>
-          <a:pPr marL="285750" lvl="1" indent="-285750" algn="l" defTabSz="1466850">
+          <a:pPr marL="285750" lvl="1" indent="-285750" algn="l" defTabSz="1422400">
             <a:lnSpc>
               <a:spcPct val="90000"/>
             </a:lnSpc>
@@ -8430,15 +8561,43 @@
             <a:buChar char="•"/>
           </a:pPr>
           <a:r>
-            <a:rPr lang="en-US" sz="3300" kern="1200"/>
-            <a:t>Retry không có tác dụng</a:t>
+            <a:rPr lang="en-US" sz="3200" kern="1200" dirty="0"/>
+            <a:t>Retry </a:t>
           </a:r>
-          <a:endParaRPr lang="en-001" sz="3300" kern="1200"/>
+          <a:r>
+            <a:rPr lang="en-US" sz="3200" kern="1200" dirty="0" err="1"/>
+            <a:t>không</a:t>
+          </a:r>
+          <a:r>
+            <a:rPr lang="en-US" sz="3200" kern="1200" dirty="0"/>
+            <a:t> </a:t>
+          </a:r>
+          <a:r>
+            <a:rPr lang="en-US" sz="3200" kern="1200" dirty="0" err="1"/>
+            <a:t>có</a:t>
+          </a:r>
+          <a:r>
+            <a:rPr lang="en-US" sz="3200" kern="1200" dirty="0"/>
+            <a:t> </a:t>
+          </a:r>
+          <a:r>
+            <a:rPr lang="en-US" sz="3200" kern="1200" dirty="0" err="1"/>
+            <a:t>tác</a:t>
+          </a:r>
+          <a:r>
+            <a:rPr lang="en-US" sz="3200" kern="1200" dirty="0"/>
+            <a:t> </a:t>
+          </a:r>
+          <a:r>
+            <a:rPr lang="en-US" sz="3200" kern="1200" dirty="0" err="1"/>
+            <a:t>dụng</a:t>
+          </a:r>
+          <a:endParaRPr lang="en-001" sz="3200" kern="1200" dirty="0"/>
         </a:p>
       </dsp:txBody>
       <dsp:txXfrm>
-        <a:off x="4170249" y="1019352"/>
-        <a:ext cx="3654825" cy="3875339"/>
+        <a:off x="4170249" y="1227571"/>
+        <a:ext cx="3654825" cy="3718102"/>
       </dsp:txXfrm>
     </dsp:sp>
     <dsp:sp modelId="{2D99B2B6-7195-441E-81BB-D640E2C270A5}">
@@ -8448,8 +8607,8 @@
       </dsp:nvSpPr>
       <dsp:spPr>
         <a:xfrm>
-          <a:off x="8336750" y="68952"/>
-          <a:ext cx="3654825" cy="950400"/>
+          <a:off x="8336750" y="17971"/>
+          <a:ext cx="3654825" cy="1209600"/>
         </a:xfrm>
         <a:prstGeom prst="rect">
           <a:avLst/>
@@ -8491,12 +8650,12 @@
         </a:fontRef>
       </dsp:style>
       <dsp:txBody>
-        <a:bodyPr spcFirstLastPara="0" vert="horz" wrap="square" lIns="234696" tIns="134112" rIns="234696" bIns="134112" numCol="1" spcCol="1270" anchor="ctr" anchorCtr="0">
+        <a:bodyPr spcFirstLastPara="0" vert="horz" wrap="square" lIns="298704" tIns="170688" rIns="298704" bIns="170688" numCol="1" spcCol="1270" anchor="ctr" anchorCtr="0">
           <a:noAutofit/>
         </a:bodyPr>
         <a:lstStyle/>
         <a:p>
-          <a:pPr marL="0" lvl="0" indent="0" algn="ctr" defTabSz="1466850">
+          <a:pPr marL="0" lvl="0" indent="0" algn="ctr" defTabSz="1866900">
             <a:lnSpc>
               <a:spcPct val="90000"/>
             </a:lnSpc>
@@ -8509,15 +8668,15 @@
             <a:buNone/>
           </a:pPr>
           <a:r>
-            <a:rPr lang="en-US" sz="3300" kern="1200"/>
+            <a:rPr lang="en-US" sz="4200" kern="1200"/>
             <a:t>5xx</a:t>
           </a:r>
-          <a:endParaRPr lang="en-001" sz="3300" kern="1200"/>
+          <a:endParaRPr lang="en-001" sz="4200" kern="1200"/>
         </a:p>
       </dsp:txBody>
       <dsp:txXfrm>
-        <a:off x="8336750" y="68952"/>
-        <a:ext cx="3654825" cy="950400"/>
+        <a:off x="8336750" y="17971"/>
+        <a:ext cx="3654825" cy="1209600"/>
       </dsp:txXfrm>
     </dsp:sp>
     <dsp:sp modelId="{A22156DA-E69B-4545-99BA-6BCB83A99205}">
@@ -8527,8 +8686,8 @@
       </dsp:nvSpPr>
       <dsp:spPr>
         <a:xfrm>
-          <a:off x="8336750" y="1019352"/>
-          <a:ext cx="3654825" cy="3875339"/>
+          <a:off x="8336750" y="1227571"/>
+          <a:ext cx="3654825" cy="3718102"/>
         </a:xfrm>
         <a:prstGeom prst="rect">
           <a:avLst/>
@@ -8572,12 +8731,12 @@
         <a:fontRef idx="minor"/>
       </dsp:style>
       <dsp:txBody>
-        <a:bodyPr spcFirstLastPara="0" vert="horz" wrap="square" lIns="176022" tIns="176022" rIns="234696" bIns="264033" numCol="1" spcCol="1270" anchor="t" anchorCtr="0">
+        <a:bodyPr spcFirstLastPara="0" vert="horz" wrap="square" lIns="170688" tIns="170688" rIns="227584" bIns="256032" numCol="1" spcCol="1270" anchor="t" anchorCtr="0">
           <a:noAutofit/>
         </a:bodyPr>
         <a:lstStyle/>
         <a:p>
-          <a:pPr marL="285750" lvl="1" indent="-285750" algn="l" defTabSz="1466850">
+          <a:pPr marL="285750" lvl="1" indent="-285750" algn="l" defTabSz="1422400">
             <a:lnSpc>
               <a:spcPct val="90000"/>
             </a:lnSpc>
@@ -8590,13 +8749,21 @@
             <a:buChar char="•"/>
           </a:pPr>
           <a:r>
-            <a:rPr lang="en-US" sz="3300" kern="1200"/>
-            <a:t>Lỗi do phía server</a:t>
+            <a:rPr lang="en-US" sz="3200" kern="1200" dirty="0"/>
+            <a:t>Lỗi do </a:t>
           </a:r>
-          <a:endParaRPr lang="en-001" sz="3300" kern="1200"/>
+          <a:r>
+            <a:rPr lang="en-US" sz="3200" kern="1200" dirty="0" err="1"/>
+            <a:t>phía</a:t>
+          </a:r>
+          <a:r>
+            <a:rPr lang="en-US" sz="3200" kern="1200" dirty="0"/>
+            <a:t> server</a:t>
+          </a:r>
+          <a:endParaRPr lang="en-001" sz="3200" kern="1200" dirty="0"/>
         </a:p>
         <a:p>
-          <a:pPr marL="285750" lvl="1" indent="-285750" algn="l" defTabSz="1466850">
+          <a:pPr marL="285750" lvl="1" indent="-285750" algn="l" defTabSz="1422400">
             <a:lnSpc>
               <a:spcPct val="90000"/>
             </a:lnSpc>
@@ -8609,13 +8776,13 @@
             <a:buChar char="•"/>
           </a:pPr>
           <a:r>
-            <a:rPr lang="en-US" sz="3300" kern="1200"/>
+            <a:rPr lang="en-US" sz="3200" kern="1200"/>
             <a:t>App và Web Browser sẽ hiển thị exception ở client</a:t>
           </a:r>
-          <a:endParaRPr lang="en-001" sz="3300" kern="1200"/>
+          <a:endParaRPr lang="en-001" sz="3200" kern="1200"/>
         </a:p>
         <a:p>
-          <a:pPr marL="285750" lvl="1" indent="-285750" algn="l" defTabSz="1466850">
+          <a:pPr marL="285750" lvl="1" indent="-285750" algn="l" defTabSz="1422400">
             <a:lnSpc>
               <a:spcPct val="90000"/>
             </a:lnSpc>
@@ -8628,15 +8795,35 @@
             <a:buChar char="•"/>
           </a:pPr>
           <a:r>
-            <a:rPr lang="en-US" sz="3300" kern="1200"/>
-            <a:t>Retry có tác dụng</a:t>
+            <a:rPr lang="en-US" sz="3200" kern="1200" dirty="0"/>
+            <a:t>Retry </a:t>
           </a:r>
-          <a:endParaRPr lang="en-001" sz="3300" kern="1200"/>
+          <a:r>
+            <a:rPr lang="en-US" sz="3200" kern="1200" dirty="0" err="1"/>
+            <a:t>có</a:t>
+          </a:r>
+          <a:r>
+            <a:rPr lang="en-US" sz="3200" kern="1200" dirty="0"/>
+            <a:t> </a:t>
+          </a:r>
+          <a:r>
+            <a:rPr lang="en-US" sz="3200" kern="1200" dirty="0" err="1"/>
+            <a:t>tác</a:t>
+          </a:r>
+          <a:r>
+            <a:rPr lang="en-US" sz="3200" kern="1200" dirty="0"/>
+            <a:t> </a:t>
+          </a:r>
+          <a:r>
+            <a:rPr lang="en-US" sz="3200" kern="1200" dirty="0" err="1"/>
+            <a:t>dụng</a:t>
+          </a:r>
+          <a:endParaRPr lang="en-001" sz="3200" kern="1200" dirty="0"/>
         </a:p>
       </dsp:txBody>
       <dsp:txXfrm>
-        <a:off x="8336750" y="1019352"/>
-        <a:ext cx="3654825" cy="3875339"/>
+        <a:off x="8336750" y="1227571"/>
+        <a:ext cx="3654825" cy="3718102"/>
       </dsp:txXfrm>
     </dsp:sp>
   </dsp:spTree>
@@ -13795,7 +13982,7 @@
           <a:p>
             <a:fld id="{7898572B-E5E9-480C-B306-601431653DBD}" type="datetimeFigureOut">
               <a:rPr lang="en-001" smtClean="0"/>
-              <a:t>26/06/2023</a:t>
+              <a:t>27/06/2023</a:t>
             </a:fld>
             <a:endParaRPr lang="en-001"/>
           </a:p>
@@ -14464,7 +14651,7 @@
           <a:p>
             <a:fld id="{EB4687C7-7FEE-405B-A2CB-C2715CC363D1}" type="datetimeFigureOut">
               <a:rPr lang="en-001" smtClean="0"/>
-              <a:t>26/06/2023</a:t>
+              <a:t>27/06/2023</a:t>
             </a:fld>
             <a:endParaRPr lang="en-001"/>
           </a:p>
@@ -14664,7 +14851,7 @@
           <a:p>
             <a:fld id="{EB4687C7-7FEE-405B-A2CB-C2715CC363D1}" type="datetimeFigureOut">
               <a:rPr lang="en-001" smtClean="0"/>
-              <a:t>26/06/2023</a:t>
+              <a:t>27/06/2023</a:t>
             </a:fld>
             <a:endParaRPr lang="en-001"/>
           </a:p>
@@ -14874,7 +15061,7 @@
           <a:p>
             <a:fld id="{EB4687C7-7FEE-405B-A2CB-C2715CC363D1}" type="datetimeFigureOut">
               <a:rPr lang="en-001" smtClean="0"/>
-              <a:t>26/06/2023</a:t>
+              <a:t>27/06/2023</a:t>
             </a:fld>
             <a:endParaRPr lang="en-001"/>
           </a:p>
@@ -15074,7 +15261,7 @@
           <a:p>
             <a:fld id="{EB4687C7-7FEE-405B-A2CB-C2715CC363D1}" type="datetimeFigureOut">
               <a:rPr lang="en-001" smtClean="0"/>
-              <a:t>26/06/2023</a:t>
+              <a:t>27/06/2023</a:t>
             </a:fld>
             <a:endParaRPr lang="en-001"/>
           </a:p>
@@ -15350,7 +15537,7 @@
           <a:p>
             <a:fld id="{EB4687C7-7FEE-405B-A2CB-C2715CC363D1}" type="datetimeFigureOut">
               <a:rPr lang="en-001" smtClean="0"/>
-              <a:t>26/06/2023</a:t>
+              <a:t>27/06/2023</a:t>
             </a:fld>
             <a:endParaRPr lang="en-001"/>
           </a:p>
@@ -15618,7 +15805,7 @@
           <a:p>
             <a:fld id="{EB4687C7-7FEE-405B-A2CB-C2715CC363D1}" type="datetimeFigureOut">
               <a:rPr lang="en-001" smtClean="0"/>
-              <a:t>26/06/2023</a:t>
+              <a:t>27/06/2023</a:t>
             </a:fld>
             <a:endParaRPr lang="en-001"/>
           </a:p>
@@ -16033,7 +16220,7 @@
           <a:p>
             <a:fld id="{EB4687C7-7FEE-405B-A2CB-C2715CC363D1}" type="datetimeFigureOut">
               <a:rPr lang="en-001" smtClean="0"/>
-              <a:t>26/06/2023</a:t>
+              <a:t>27/06/2023</a:t>
             </a:fld>
             <a:endParaRPr lang="en-001"/>
           </a:p>
@@ -16175,7 +16362,7 @@
           <a:p>
             <a:fld id="{EB4687C7-7FEE-405B-A2CB-C2715CC363D1}" type="datetimeFigureOut">
               <a:rPr lang="en-001" smtClean="0"/>
-              <a:t>26/06/2023</a:t>
+              <a:t>27/06/2023</a:t>
             </a:fld>
             <a:endParaRPr lang="en-001"/>
           </a:p>
@@ -16288,7 +16475,7 @@
           <a:p>
             <a:fld id="{EB4687C7-7FEE-405B-A2CB-C2715CC363D1}" type="datetimeFigureOut">
               <a:rPr lang="en-001" smtClean="0"/>
-              <a:t>26/06/2023</a:t>
+              <a:t>27/06/2023</a:t>
             </a:fld>
             <a:endParaRPr lang="en-001"/>
           </a:p>
@@ -16601,7 +16788,7 @@
           <a:p>
             <a:fld id="{EB4687C7-7FEE-405B-A2CB-C2715CC363D1}" type="datetimeFigureOut">
               <a:rPr lang="en-001" smtClean="0"/>
-              <a:t>26/06/2023</a:t>
+              <a:t>27/06/2023</a:t>
             </a:fld>
             <a:endParaRPr lang="en-001"/>
           </a:p>
@@ -16890,7 +17077,7 @@
           <a:p>
             <a:fld id="{EB4687C7-7FEE-405B-A2CB-C2715CC363D1}" type="datetimeFigureOut">
               <a:rPr lang="en-001" smtClean="0"/>
-              <a:t>26/06/2023</a:t>
+              <a:t>27/06/2023</a:t>
             </a:fld>
             <a:endParaRPr lang="en-001"/>
           </a:p>
@@ -17133,7 +17320,7 @@
           <a:p>
             <a:fld id="{EB4687C7-7FEE-405B-A2CB-C2715CC363D1}" type="datetimeFigureOut">
               <a:rPr lang="en-001" smtClean="0"/>
-              <a:t>26/06/2023</a:t>
+              <a:t>27/06/2023</a:t>
             </a:fld>
             <a:endParaRPr lang="en-001"/>
           </a:p>
@@ -17697,8 +17884,8 @@
         </p:blipFill>
         <p:spPr>
           <a:xfrm>
-            <a:off x="3196378" y="1825625"/>
-            <a:ext cx="5799243" cy="4351338"/>
+            <a:off x="2047462" y="1525275"/>
+            <a:ext cx="7107186" cy="5332725"/>
           </a:xfrm>
         </p:spPr>
       </p:pic>
@@ -17884,8 +18071,8 @@
         </p:blipFill>
         <p:spPr>
           <a:xfrm>
-            <a:off x="6657203" y="1690688"/>
-            <a:ext cx="5534797" cy="3924848"/>
+            <a:off x="5157377" y="1690688"/>
+            <a:ext cx="7034623" cy="4988408"/>
           </a:xfrm>
         </p:spPr>
       </p:pic>
@@ -18036,8 +18223,64 @@
           <a:lstStyle/>
           <a:p>
             <a:r>
-              <a:rPr lang="en-US"/>
-              <a:t>Khi khởi tạo lưu ý nhớ thêm các Entity mới vào 2 chỗ:</a:t>
+              <a:rPr lang="en-US" dirty="0"/>
+              <a:t>Khi </a:t>
+            </a:r>
+            <a:r>
+              <a:rPr lang="en-US" dirty="0" err="1"/>
+              <a:t>khởi</a:t>
+            </a:r>
+            <a:r>
+              <a:rPr lang="en-US" dirty="0"/>
+              <a:t> </a:t>
+            </a:r>
+            <a:r>
+              <a:rPr lang="en-US" dirty="0" err="1"/>
+              <a:t>tạo</a:t>
+            </a:r>
+            <a:r>
+              <a:rPr lang="en-US" dirty="0"/>
+              <a:t> </a:t>
+            </a:r>
+            <a:r>
+              <a:rPr lang="en-US" dirty="0" err="1"/>
+              <a:t>lưu</a:t>
+            </a:r>
+            <a:r>
+              <a:rPr lang="en-US" dirty="0"/>
+              <a:t> ý </a:t>
+            </a:r>
+            <a:r>
+              <a:rPr lang="en-US" dirty="0" err="1"/>
+              <a:t>nhớ</a:t>
+            </a:r>
+            <a:r>
+              <a:rPr lang="en-US" dirty="0"/>
+              <a:t> thêm các Entity </a:t>
+            </a:r>
+            <a:r>
+              <a:rPr lang="en-US" dirty="0" err="1"/>
+              <a:t>mới</a:t>
+            </a:r>
+            <a:r>
+              <a:rPr lang="en-US" dirty="0"/>
+              <a:t> </a:t>
+            </a:r>
+            <a:r>
+              <a:rPr lang="en-US" dirty="0" err="1"/>
+              <a:t>vào</a:t>
+            </a:r>
+            <a:r>
+              <a:rPr lang="en-US" dirty="0"/>
+              <a:t> 2 </a:t>
+            </a:r>
+            <a:r>
+              <a:rPr lang="en-US" dirty="0" err="1"/>
+              <a:t>chỗ</a:t>
+            </a:r>
+            <a:r>
+              <a:rPr lang="en-US" dirty="0"/>
+              <a:t>:</a:t>
             </a:r>
           </a:p>
           <a:p>
@@ -18046,9 +18289,18 @@
               <a:buChar char="•"/>
             </a:pPr>
             <a:r>
-              <a:rPr lang="en-US" b="1"/>
+              <a:rPr lang="en-US" b="1" dirty="0" err="1">
+                <a:solidFill>
+                  <a:srgbClr val="FF0000"/>
+                </a:solidFill>
+              </a:rPr>
               <a:t>Domain.DataContext</a:t>
             </a:r>
+            <a:endParaRPr lang="en-US" b="1" dirty="0">
+              <a:solidFill>
+                <a:srgbClr val="FF0000"/>
+              </a:solidFill>
+            </a:endParaRPr>
           </a:p>
           <a:p>
             <a:pPr marL="342900" indent="-342900">
@@ -18056,8 +18308,12 @@
               <a:buChar char="•"/>
             </a:pPr>
             <a:r>
-              <a:rPr lang="en-US" b="1"/>
-              <a:t>Infrastructure.DataContext </a:t>
+              <a:rPr lang="en-US" b="1" dirty="0" err="1"/>
+              <a:t>Infrastructure.DataContext</a:t>
+            </a:r>
+            <a:r>
+              <a:rPr lang="en-US" b="1" dirty="0"/>
+              <a:t> </a:t>
             </a:r>
           </a:p>
         </p:txBody>
@@ -18464,8 +18720,8 @@
         </p:blipFill>
         <p:spPr>
           <a:xfrm>
-            <a:off x="838200" y="3066917"/>
-            <a:ext cx="4401164" cy="2362530"/>
+            <a:off x="838199" y="3066916"/>
+            <a:ext cx="5062731" cy="2717657"/>
           </a:xfrm>
         </p:spPr>
       </p:pic>
@@ -18497,8 +18753,8 @@
         </p:blipFill>
         <p:spPr>
           <a:xfrm>
-            <a:off x="6933583" y="3066917"/>
-            <a:ext cx="4420217" cy="2305372"/>
+            <a:off x="6143089" y="3066917"/>
+            <a:ext cx="5210712" cy="2717656"/>
           </a:xfrm>
           <a:prstGeom prst="rect">
             <a:avLst/>
@@ -18963,13 +19219,23 @@
           <a:lstStyle/>
           <a:p>
             <a:r>
-              <a:rPr lang="en-US"/>
+              <a:rPr lang="en-US" dirty="0"/>
               <a:t>Visual Studio 2022 / Visual Code</a:t>
             </a:r>
           </a:p>
           <a:p>
             <a:r>
-              <a:rPr lang="en-US"/>
+              <a:rPr lang="en-US" dirty="0" err="1"/>
+              <a:t>.Net</a:t>
+            </a:r>
+            <a:r>
+              <a:rPr lang="en-US" dirty="0"/>
+              <a:t> Core 7.0</a:t>
+            </a:r>
+          </a:p>
+          <a:p>
+            <a:r>
+              <a:rPr lang="en-US" dirty="0"/>
               <a:t>Postman</a:t>
             </a:r>
           </a:p>
@@ -19064,8 +19330,8 @@
         </p:blipFill>
         <p:spPr>
           <a:xfrm>
-            <a:off x="2286412" y="1825625"/>
-            <a:ext cx="7619176" cy="4351338"/>
+            <a:off x="1690165" y="1690688"/>
+            <a:ext cx="8811669" cy="5032375"/>
           </a:xfrm>
         </p:spPr>
       </p:pic>
@@ -19144,7 +19410,7 @@
             <p:ph idx="1"/>
             <p:extLst>
               <p:ext uri="{D42A27DB-BD31-4B8C-83A1-F6EECF244321}">
-                <p14:modId xmlns:p14="http://schemas.microsoft.com/office/powerpoint/2010/main" val="208354662"/>
+                <p14:modId xmlns:p14="http://schemas.microsoft.com/office/powerpoint/2010/main" val="1262798906"/>
               </p:ext>
             </p:extLst>
           </p:nvPr>
@@ -19324,7 +19590,7 @@
             <p:ph idx="1"/>
             <p:extLst>
               <p:ext uri="{D42A27DB-BD31-4B8C-83A1-F6EECF244321}">
-                <p14:modId xmlns:p14="http://schemas.microsoft.com/office/powerpoint/2010/main" val="819859959"/>
+                <p14:modId xmlns:p14="http://schemas.microsoft.com/office/powerpoint/2010/main" val="3985198878"/>
               </p:ext>
             </p:extLst>
           </p:nvPr>
@@ -19428,97 +19694,11 @@
         </p:blipFill>
         <p:spPr>
           <a:xfrm>
-            <a:off x="2733205" y="3043898"/>
-            <a:ext cx="6725589" cy="1914792"/>
+            <a:off x="514494" y="2223661"/>
+            <a:ext cx="11163011" cy="3178137"/>
           </a:xfrm>
         </p:spPr>
       </p:pic>
-      <p:sp>
-        <p:nvSpPr>
-          <p:cNvPr id="13" name="TextBox 12">
-            <a:extLst>
-              <a:ext uri="{FF2B5EF4-FFF2-40B4-BE49-F238E27FC236}">
-                <a16:creationId xmlns:a16="http://schemas.microsoft.com/office/drawing/2014/main" id="{C6A69A55-53BA-6333-5578-205E3B48B952}"/>
-              </a:ext>
-            </a:extLst>
-          </p:cNvPr>
-          <p:cNvSpPr txBox="1"/>
-          <p:nvPr/>
-        </p:nvSpPr>
-        <p:spPr>
-          <a:xfrm>
-            <a:off x="621792" y="4370832"/>
-            <a:ext cx="1362874" cy="369332"/>
-          </a:xfrm>
-          <a:prstGeom prst="rect">
-            <a:avLst/>
-          </a:prstGeom>
-          <a:noFill/>
-        </p:spPr>
-        <p:txBody>
-          <a:bodyPr wrap="none" rtlCol="0">
-            <a:spAutoFit/>
-          </a:bodyPr>
-          <a:lstStyle/>
-          <a:p>
-            <a:r>
-              <a:rPr lang="en-US">
-                <a:solidFill>
-                  <a:srgbClr val="FF0000"/>
-                </a:solidFill>
-              </a:rPr>
-              <a:t>Dependency</a:t>
-            </a:r>
-            <a:endParaRPr lang="en-001">
-              <a:solidFill>
-                <a:srgbClr val="FF0000"/>
-              </a:solidFill>
-            </a:endParaRPr>
-          </a:p>
-        </p:txBody>
-      </p:sp>
-      <p:cxnSp>
-        <p:nvCxnSpPr>
-          <p:cNvPr id="15" name="Straight Arrow Connector 14">
-            <a:extLst>
-              <a:ext uri="{FF2B5EF4-FFF2-40B4-BE49-F238E27FC236}">
-                <a16:creationId xmlns:a16="http://schemas.microsoft.com/office/drawing/2014/main" id="{F2A24751-E6DC-AC41-8FAE-21B74B3C7A43}"/>
-              </a:ext>
-            </a:extLst>
-          </p:cNvPr>
-          <p:cNvCxnSpPr/>
-          <p:nvPr/>
-        </p:nvCxnSpPr>
-        <p:spPr>
-          <a:xfrm flipV="1">
-            <a:off x="1975104" y="4114800"/>
-            <a:ext cx="1225296" cy="274320"/>
-          </a:xfrm>
-          <a:prstGeom prst="straightConnector1">
-            <a:avLst/>
-          </a:prstGeom>
-          <a:ln w="38100">
-            <a:solidFill>
-              <a:srgbClr val="FF0000"/>
-            </a:solidFill>
-            <a:tailEnd type="triangle"/>
-          </a:ln>
-        </p:spPr>
-        <p:style>
-          <a:lnRef idx="2">
-            <a:schemeClr val="dk1"/>
-          </a:lnRef>
-          <a:fillRef idx="0">
-            <a:schemeClr val="dk1"/>
-          </a:fillRef>
-          <a:effectRef idx="1">
-            <a:schemeClr val="dk1"/>
-          </a:effectRef>
-          <a:fontRef idx="minor">
-            <a:schemeClr val="tx1"/>
-          </a:fontRef>
-        </p:style>
-      </p:cxnSp>
     </p:spTree>
     <p:extLst>
       <p:ext uri="{BB962C8B-B14F-4D97-AF65-F5344CB8AC3E}">
@@ -19608,94 +19788,11 @@
         </p:blipFill>
         <p:spPr>
           <a:xfrm>
-            <a:off x="2286000" y="1690688"/>
-            <a:ext cx="7620000" cy="2543175"/>
+            <a:off x="0" y="1690688"/>
+            <a:ext cx="12206766" cy="4074008"/>
           </a:xfrm>
         </p:spPr>
       </p:pic>
-      <p:sp>
-        <p:nvSpPr>
-          <p:cNvPr id="6" name="TextBox 5">
-            <a:extLst>
-              <a:ext uri="{FF2B5EF4-FFF2-40B4-BE49-F238E27FC236}">
-                <a16:creationId xmlns:a16="http://schemas.microsoft.com/office/drawing/2014/main" id="{5B2657DE-17A2-D636-5C20-B5BD4B07FD87}"/>
-              </a:ext>
-            </a:extLst>
-          </p:cNvPr>
-          <p:cNvSpPr txBox="1"/>
-          <p:nvPr/>
-        </p:nvSpPr>
-        <p:spPr>
-          <a:xfrm>
-            <a:off x="838200" y="4369217"/>
-            <a:ext cx="10515600" cy="2123658"/>
-          </a:xfrm>
-          <a:prstGeom prst="rect">
-            <a:avLst/>
-          </a:prstGeom>
-          <a:noFill/>
-        </p:spPr>
-        <p:txBody>
-          <a:bodyPr wrap="square" rtlCol="0">
-            <a:spAutoFit/>
-          </a:bodyPr>
-          <a:lstStyle/>
-          <a:p>
-            <a:pPr marL="285750" indent="-285750">
-              <a:buFont typeface="Arial" panose="020B0604020202020204" pitchFamily="34" charset="0"/>
-              <a:buChar char="•"/>
-            </a:pPr>
-            <a:r>
-              <a:rPr lang="en-US" sz="2200">
-                <a:latin typeface="Calibri (Body)"/>
-              </a:rPr>
-              <a:t>Các module không giao tiếp trực tiếp với nhau, mà thông qua interface. Module cấp thấp sẽ implement interface, module cấp cao sẽ gọi module cấp thấp thông qua interface.</a:t>
-            </a:r>
-          </a:p>
-          <a:p>
-            <a:pPr marL="285750" indent="-285750">
-              <a:buFont typeface="Arial" panose="020B0604020202020204" pitchFamily="34" charset="0"/>
-              <a:buChar char="•"/>
-            </a:pPr>
-            <a:r>
-              <a:rPr lang="en-US" sz="2200">
-                <a:latin typeface="Calibri (Body)"/>
-              </a:rPr>
-              <a:t>Việc khởi tạo các module cấp thấp sẽ do DI Container thực hiện.</a:t>
-            </a:r>
-          </a:p>
-          <a:p>
-            <a:pPr marL="285750" indent="-285750">
-              <a:buFont typeface="Arial" panose="020B0604020202020204" pitchFamily="34" charset="0"/>
-              <a:buChar char="•"/>
-            </a:pPr>
-            <a:r>
-              <a:rPr lang="vi-VN" sz="2200">
-                <a:latin typeface="Calibri (Body)"/>
-              </a:rPr>
-              <a:t>Việc Module nào gắn với interface nào sẽ được config.</a:t>
-            </a:r>
-            <a:endParaRPr lang="en-US" sz="2200">
-              <a:latin typeface="Calibri (Body)"/>
-            </a:endParaRPr>
-          </a:p>
-          <a:p>
-            <a:pPr marL="285750" indent="-285750">
-              <a:buFont typeface="Arial" panose="020B0604020202020204" pitchFamily="34" charset="0"/>
-              <a:buChar char="•"/>
-            </a:pPr>
-            <a:r>
-              <a:rPr lang="vi-VN" sz="2200">
-                <a:latin typeface="Calibri (Body)"/>
-              </a:rPr>
-              <a:t>DI được dùng để làm giảm sự phụ thuộc giữa các module</a:t>
-            </a:r>
-            <a:endParaRPr lang="en-US" sz="2200">
-              <a:latin typeface="Calibri (Body)"/>
-            </a:endParaRPr>
-          </a:p>
-        </p:txBody>
-      </p:sp>
     </p:spTree>
     <p:extLst>
       <p:ext uri="{BB962C8B-B14F-4D97-AF65-F5344CB8AC3E}">
@@ -19779,76 +19876,424 @@
           <a:lstStyle/>
           <a:p>
             <a:r>
-              <a:rPr lang="en-US">
+              <a:rPr lang="en-US" dirty="0">
                 <a:latin typeface="Calibri (Body)"/>
               </a:rPr>
-              <a:t>Các module không giao tiếp trực tiếp với nhau, mà thông qua interface. Module cấp thấp sẽ implement interface, module cấp cao sẽ gọi module cấp thấp thông qua interface.</a:t>
+              <a:t>Các module </a:t>
+            </a:r>
+            <a:r>
+              <a:rPr lang="en-US" dirty="0" err="1">
+                <a:latin typeface="Calibri (Body)"/>
+              </a:rPr>
+              <a:t>không</a:t>
+            </a:r>
+            <a:r>
+              <a:rPr lang="en-US" dirty="0">
+                <a:latin typeface="Calibri (Body)"/>
+              </a:rPr>
+              <a:t> </a:t>
+            </a:r>
+            <a:r>
+              <a:rPr lang="en-US" dirty="0" err="1">
+                <a:latin typeface="Calibri (Body)"/>
+              </a:rPr>
+              <a:t>giao</a:t>
+            </a:r>
+            <a:r>
+              <a:rPr lang="en-US" dirty="0">
+                <a:latin typeface="Calibri (Body)"/>
+              </a:rPr>
+              <a:t> </a:t>
+            </a:r>
+            <a:r>
+              <a:rPr lang="en-US" dirty="0" err="1">
+                <a:latin typeface="Calibri (Body)"/>
+              </a:rPr>
+              <a:t>tiếp</a:t>
+            </a:r>
+            <a:r>
+              <a:rPr lang="en-US" dirty="0">
+                <a:latin typeface="Calibri (Body)"/>
+              </a:rPr>
+              <a:t> </a:t>
+            </a:r>
+            <a:r>
+              <a:rPr lang="en-US" dirty="0" err="1">
+                <a:latin typeface="Calibri (Body)"/>
+              </a:rPr>
+              <a:t>trực</a:t>
+            </a:r>
+            <a:r>
+              <a:rPr lang="en-US" dirty="0">
+                <a:latin typeface="Calibri (Body)"/>
+              </a:rPr>
+              <a:t> </a:t>
+            </a:r>
+            <a:r>
+              <a:rPr lang="en-US" dirty="0" err="1">
+                <a:latin typeface="Calibri (Body)"/>
+              </a:rPr>
+              <a:t>tiếp</a:t>
+            </a:r>
+            <a:r>
+              <a:rPr lang="en-US" dirty="0">
+                <a:latin typeface="Calibri (Body)"/>
+              </a:rPr>
+              <a:t> với </a:t>
+            </a:r>
+            <a:r>
+              <a:rPr lang="en-US" dirty="0" err="1">
+                <a:latin typeface="Calibri (Body)"/>
+              </a:rPr>
+              <a:t>nhau</a:t>
+            </a:r>
+            <a:r>
+              <a:rPr lang="en-US" dirty="0">
+                <a:latin typeface="Calibri (Body)"/>
+              </a:rPr>
+              <a:t>, </a:t>
+            </a:r>
+            <a:r>
+              <a:rPr lang="en-US" dirty="0" err="1">
+                <a:latin typeface="Calibri (Body)"/>
+              </a:rPr>
+              <a:t>mà</a:t>
+            </a:r>
+            <a:r>
+              <a:rPr lang="en-US" dirty="0">
+                <a:latin typeface="Calibri (Body)"/>
+              </a:rPr>
+              <a:t> </a:t>
+            </a:r>
+            <a:r>
+              <a:rPr lang="en-US" dirty="0" err="1">
+                <a:latin typeface="Calibri (Body)"/>
+              </a:rPr>
+              <a:t>thông</a:t>
+            </a:r>
+            <a:r>
+              <a:rPr lang="en-US" dirty="0">
+                <a:latin typeface="Calibri (Body)"/>
+              </a:rPr>
+              <a:t> qua interface. Module </a:t>
+            </a:r>
+            <a:r>
+              <a:rPr lang="en-US" dirty="0" err="1">
+                <a:latin typeface="Calibri (Body)"/>
+              </a:rPr>
+              <a:t>cấp</a:t>
+            </a:r>
+            <a:r>
+              <a:rPr lang="en-US" dirty="0">
+                <a:latin typeface="Calibri (Body)"/>
+              </a:rPr>
+              <a:t> </a:t>
+            </a:r>
+            <a:r>
+              <a:rPr lang="en-US" dirty="0" err="1">
+                <a:latin typeface="Calibri (Body)"/>
+              </a:rPr>
+              <a:t>thấp</a:t>
+            </a:r>
+            <a:r>
+              <a:rPr lang="en-US" dirty="0">
+                <a:latin typeface="Calibri (Body)"/>
+              </a:rPr>
+              <a:t> </a:t>
+            </a:r>
+            <a:r>
+              <a:rPr lang="en-US" dirty="0" err="1">
+                <a:latin typeface="Calibri (Body)"/>
+              </a:rPr>
+              <a:t>sẽ</a:t>
+            </a:r>
+            <a:r>
+              <a:rPr lang="en-US" dirty="0">
+                <a:latin typeface="Calibri (Body)"/>
+              </a:rPr>
+              <a:t> implement interface, module </a:t>
+            </a:r>
+            <a:r>
+              <a:rPr lang="en-US" dirty="0" err="1">
+                <a:latin typeface="Calibri (Body)"/>
+              </a:rPr>
+              <a:t>cấp</a:t>
+            </a:r>
+            <a:r>
+              <a:rPr lang="en-US" dirty="0">
+                <a:latin typeface="Calibri (Body)"/>
+              </a:rPr>
+              <a:t> </a:t>
+            </a:r>
+            <a:r>
+              <a:rPr lang="en-US" dirty="0" err="1">
+                <a:latin typeface="Calibri (Body)"/>
+              </a:rPr>
+              <a:t>cao</a:t>
+            </a:r>
+            <a:r>
+              <a:rPr lang="en-US" dirty="0">
+                <a:latin typeface="Calibri (Body)"/>
+              </a:rPr>
+              <a:t> </a:t>
+            </a:r>
+            <a:r>
+              <a:rPr lang="en-US" dirty="0" err="1">
+                <a:latin typeface="Calibri (Body)"/>
+              </a:rPr>
+              <a:t>sẽ</a:t>
+            </a:r>
+            <a:r>
+              <a:rPr lang="en-US" dirty="0">
+                <a:latin typeface="Calibri (Body)"/>
+              </a:rPr>
+              <a:t> </a:t>
+            </a:r>
+            <a:r>
+              <a:rPr lang="en-US" dirty="0" err="1">
+                <a:latin typeface="Calibri (Body)"/>
+              </a:rPr>
+              <a:t>gọi</a:t>
+            </a:r>
+            <a:r>
+              <a:rPr lang="en-US" dirty="0">
+                <a:latin typeface="Calibri (Body)"/>
+              </a:rPr>
+              <a:t> module </a:t>
+            </a:r>
+            <a:r>
+              <a:rPr lang="en-US" dirty="0" err="1">
+                <a:latin typeface="Calibri (Body)"/>
+              </a:rPr>
+              <a:t>cấp</a:t>
+            </a:r>
+            <a:r>
+              <a:rPr lang="en-US" dirty="0">
+                <a:latin typeface="Calibri (Body)"/>
+              </a:rPr>
+              <a:t> </a:t>
+            </a:r>
+            <a:r>
+              <a:rPr lang="en-US" dirty="0" err="1">
+                <a:latin typeface="Calibri (Body)"/>
+              </a:rPr>
+              <a:t>thấp</a:t>
+            </a:r>
+            <a:r>
+              <a:rPr lang="en-US" dirty="0">
+                <a:latin typeface="Calibri (Body)"/>
+              </a:rPr>
+              <a:t> </a:t>
+            </a:r>
+            <a:r>
+              <a:rPr lang="en-US" dirty="0" err="1">
+                <a:latin typeface="Calibri (Body)"/>
+              </a:rPr>
+              <a:t>thông</a:t>
+            </a:r>
+            <a:r>
+              <a:rPr lang="en-US" dirty="0">
+                <a:latin typeface="Calibri (Body)"/>
+              </a:rPr>
+              <a:t> qua interface.</a:t>
             </a:r>
           </a:p>
           <a:p>
             <a:r>
-              <a:rPr lang="en-US">
+              <a:rPr lang="en-US" dirty="0" err="1">
                 <a:latin typeface="Calibri (Body)"/>
               </a:rPr>
-              <a:t>Việc khởi tạo các module cấp thấp sẽ do DI Container thực hiện.</a:t>
+              <a:t>Việc</a:t>
             </a:r>
-          </a:p>
-          <a:p>
             <a:r>
-              <a:rPr lang="vi-VN">
+              <a:rPr lang="en-US" dirty="0">
                 <a:latin typeface="Calibri (Body)"/>
               </a:rPr>
-              <a:t>Việc Module nào gắn với interface nào sẽ được config.</a:t>
+              <a:t> </a:t>
             </a:r>
-            <a:endParaRPr lang="en-US">
-              <a:latin typeface="Calibri (Body)"/>
-            </a:endParaRPr>
-          </a:p>
-          <a:p>
             <a:r>
-              <a:rPr lang="vi-VN">
+              <a:rPr lang="en-US" dirty="0" err="1">
                 <a:latin typeface="Calibri (Body)"/>
               </a:rPr>
-              <a:t>DI được dùng để làm giảm sự phụ thuộc giữa các module, dễ dàng hơn trong việc thay đổi module</a:t>
+              <a:t>khởi</a:t>
             </a:r>
             <a:r>
-              <a:rPr lang="en-US">
+              <a:rPr lang="en-US" dirty="0">
+                <a:latin typeface="Calibri (Body)"/>
+              </a:rPr>
+              <a:t> </a:t>
+            </a:r>
+            <a:r>
+              <a:rPr lang="en-US" dirty="0" err="1">
+                <a:latin typeface="Calibri (Body)"/>
+              </a:rPr>
+              <a:t>tạo</a:t>
+            </a:r>
+            <a:r>
+              <a:rPr lang="en-US" dirty="0">
+                <a:latin typeface="Calibri (Body)"/>
+              </a:rPr>
+              <a:t> các module </a:t>
+            </a:r>
+            <a:r>
+              <a:rPr lang="en-US" dirty="0" err="1">
+                <a:latin typeface="Calibri (Body)"/>
+              </a:rPr>
+              <a:t>cấp</a:t>
+            </a:r>
+            <a:r>
+              <a:rPr lang="en-US" dirty="0">
+                <a:latin typeface="Calibri (Body)"/>
+              </a:rPr>
+              <a:t> </a:t>
+            </a:r>
+            <a:r>
+              <a:rPr lang="en-US" dirty="0" err="1">
+                <a:latin typeface="Calibri (Body)"/>
+              </a:rPr>
+              <a:t>thấp</a:t>
+            </a:r>
+            <a:r>
+              <a:rPr lang="en-US" dirty="0">
+                <a:latin typeface="Calibri (Body)"/>
+              </a:rPr>
+              <a:t> </a:t>
+            </a:r>
+            <a:r>
+              <a:rPr lang="en-US" dirty="0" err="1">
+                <a:latin typeface="Calibri (Body)"/>
+              </a:rPr>
+              <a:t>sẽ</a:t>
+            </a:r>
+            <a:r>
+              <a:rPr lang="en-US" dirty="0">
+                <a:latin typeface="Calibri (Body)"/>
+              </a:rPr>
+              <a:t> do DI Container </a:t>
+            </a:r>
+            <a:r>
+              <a:rPr lang="en-US" dirty="0" err="1">
+                <a:latin typeface="Calibri (Body)"/>
+              </a:rPr>
+              <a:t>thực</a:t>
+            </a:r>
+            <a:r>
+              <a:rPr lang="en-US" dirty="0">
+                <a:latin typeface="Calibri (Body)"/>
+              </a:rPr>
+              <a:t> </a:t>
+            </a:r>
+            <a:r>
+              <a:rPr lang="en-US" dirty="0" err="1">
+                <a:latin typeface="Calibri (Body)"/>
+              </a:rPr>
+              <a:t>hiện</a:t>
+            </a:r>
+            <a:r>
+              <a:rPr lang="en-US" dirty="0">
                 <a:latin typeface="Calibri (Body)"/>
               </a:rPr>
               <a:t>.</a:t>
             </a:r>
           </a:p>
           <a:p>
-            <a:endParaRPr lang="en-US">
+            <a:r>
+              <a:rPr lang="vi-VN" dirty="0">
+                <a:latin typeface="Calibri (Body)"/>
+              </a:rPr>
+              <a:t>Việc Module nào gắn với interface nào sẽ được config.</a:t>
+            </a:r>
+            <a:endParaRPr lang="en-US" dirty="0">
               <a:latin typeface="Calibri (Body)"/>
             </a:endParaRPr>
           </a:p>
           <a:p>
             <a:r>
-              <a:rPr lang="en-US">
+              <a:rPr lang="vi-VN" dirty="0">
                 <a:latin typeface="Calibri (Body)"/>
               </a:rPr>
-              <a:t>TripleSix.Core sử dụng AutoFac </a:t>
+              <a:t>DI được dùng để làm giảm sự phụ thuộc giữa các module, dễ dàng hơn trong việc thay đổi module</a:t>
             </a:r>
             <a:r>
-              <a:rPr lang="vi-VN">
+              <a:rPr lang="en-US" dirty="0">
+                <a:latin typeface="Calibri (Body)"/>
+              </a:rPr>
+              <a:t>.</a:t>
+            </a:r>
+          </a:p>
+          <a:p>
+            <a:endParaRPr lang="en-US" dirty="0">
+              <a:latin typeface="Calibri (Body)"/>
+            </a:endParaRPr>
+          </a:p>
+          <a:p>
+            <a:r>
+              <a:rPr lang="en-US" dirty="0" err="1">
+                <a:latin typeface="Calibri (Body)"/>
+              </a:rPr>
+              <a:t>TripleSix.Core</a:t>
+            </a:r>
+            <a:r>
+              <a:rPr lang="en-US" dirty="0">
+                <a:latin typeface="Calibri (Body)"/>
+              </a:rPr>
+              <a:t> </a:t>
+            </a:r>
+            <a:r>
+              <a:rPr lang="en-US" dirty="0" err="1">
+                <a:latin typeface="Calibri (Body)"/>
+              </a:rPr>
+              <a:t>sử</a:t>
+            </a:r>
+            <a:r>
+              <a:rPr lang="en-US" dirty="0">
+                <a:latin typeface="Calibri (Body)"/>
+              </a:rPr>
+              <a:t> </a:t>
+            </a:r>
+            <a:r>
+              <a:rPr lang="en-US" dirty="0" err="1">
+                <a:latin typeface="Calibri (Body)"/>
+              </a:rPr>
+              <a:t>dụng</a:t>
+            </a:r>
+            <a:r>
+              <a:rPr lang="en-US" dirty="0">
+                <a:latin typeface="Calibri (Body)"/>
+              </a:rPr>
+              <a:t> </a:t>
+            </a:r>
+            <a:r>
+              <a:rPr lang="en-US" dirty="0" err="1">
+                <a:latin typeface="Calibri (Body)"/>
+              </a:rPr>
+              <a:t>AutoFac</a:t>
+            </a:r>
+            <a:r>
+              <a:rPr lang="en-US" dirty="0">
+                <a:latin typeface="Calibri (Body)"/>
+              </a:rPr>
+              <a:t> </a:t>
+            </a:r>
+            <a:r>
+              <a:rPr lang="vi-VN" dirty="0">
                 <a:latin typeface="Calibri (Body)"/>
               </a:rPr>
               <a:t>để tuân thủ nguyên lý </a:t>
             </a:r>
             <a:r>
-              <a:rPr lang="en-US">
+              <a:rPr lang="en-US" dirty="0">
                 <a:latin typeface="Calibri (Body)"/>
               </a:rPr>
               <a:t>DI</a:t>
             </a:r>
             <a:r>
-              <a:rPr lang="vi-VN">
+              <a:rPr lang="vi-VN" dirty="0">
                 <a:latin typeface="Calibri (Body)"/>
               </a:rPr>
               <a:t>.</a:t>
             </a:r>
-            <a:endParaRPr lang="en-001">
+            <a:endParaRPr lang="en-001" dirty="0">
               <a:latin typeface="Calibri (Body)"/>
             </a:endParaRPr>
           </a:p>
@@ -19943,8 +20388,8 @@
         </p:blipFill>
         <p:spPr>
           <a:xfrm>
-            <a:off x="2878140" y="1825625"/>
-            <a:ext cx="6435720" cy="4351338"/>
+            <a:off x="2425956" y="1690688"/>
+            <a:ext cx="7340087" cy="4962801"/>
           </a:xfrm>
         </p:spPr>
       </p:pic>
@@ -20037,8 +20482,8 @@
         </p:blipFill>
         <p:spPr>
           <a:xfrm>
-            <a:off x="2366442" y="2481844"/>
-            <a:ext cx="7459116" cy="3038899"/>
+            <a:off x="518284" y="1948070"/>
+            <a:ext cx="11155431" cy="4544805"/>
           </a:xfrm>
         </p:spPr>
       </p:pic>
